--- a/1/test.pptx
+++ b/1/test.pptx
@@ -5,11 +5,14 @@
     <p:sldMasterId id="2147483648" r:id="rId1"/>
   </p:sldMasterIdLst>
   <p:sldIdLst>
-    <p:sldId id="256" r:id="rId2"/>
-    <p:sldId id="257" r:id="rId3"/>
-    <p:sldId id="258" r:id="rId4"/>
-    <p:sldId id="259" r:id="rId5"/>
-    <p:sldId id="260" r:id="rId6"/>
+    <p:sldId id="264" r:id="rId2"/>
+    <p:sldId id="256" r:id="rId3"/>
+    <p:sldId id="261" r:id="rId4"/>
+    <p:sldId id="257" r:id="rId5"/>
+    <p:sldId id="258" r:id="rId6"/>
+    <p:sldId id="259" r:id="rId7"/>
+    <p:sldId id="260" r:id="rId8"/>
+    <p:sldId id="263" r:id="rId9"/>
   </p:sldIdLst>
   <p:sldSz cx="12192000" cy="6858000"/>
   <p:notesSz cx="6858000" cy="9144000"/>
@@ -108,6 +111,11 @@
       </a:defRPr>
     </a:lvl9pPr>
   </p:defaultTextStyle>
+  <p:extLst>
+    <p:ext uri="{EFAFB233-063F-42B5-8137-9DF3F51BA10A}">
+      <p15:sldGuideLst xmlns:p15="http://schemas.microsoft.com/office/powerpoint/2012/main"/>
+    </p:ext>
+  </p:extLst>
 </p:presentation>
 </file>
 
@@ -242,7 +250,7 @@
           <a:p>
             <a:fld id="{9A028A52-E082-4E07-8348-08B4320A4987}" type="datetimeFigureOut">
               <a:rPr lang="zh-CN" altLang="en-US" smtClean="0"/>
-              <a:t>2015/4/22</a:t>
+              <a:t>2015/4/27</a:t>
             </a:fld>
             <a:endParaRPr lang="zh-CN" altLang="en-US"/>
           </a:p>
@@ -300,6 +308,18 @@
   <p:clrMapOvr>
     <a:masterClrMapping/>
   </p:clrMapOvr>
+  <mc:AlternateContent xmlns:mc="http://schemas.openxmlformats.org/markup-compatibility/2006" xmlns:p14="http://schemas.microsoft.com/office/powerpoint/2010/main">
+    <mc:Choice Requires="p14">
+      <p:transition spd="slow" p14:dur="1600">
+        <p14:conveyor dir="l"/>
+      </p:transition>
+    </mc:Choice>
+    <mc:Fallback xmlns="">
+      <p:transition spd="slow">
+        <p:fade/>
+      </p:transition>
+    </mc:Fallback>
+  </mc:AlternateContent>
 </p:sldLayout>
 </file>
 
@@ -412,7 +432,7 @@
           <a:p>
             <a:fld id="{9A028A52-E082-4E07-8348-08B4320A4987}" type="datetimeFigureOut">
               <a:rPr lang="zh-CN" altLang="en-US" smtClean="0"/>
-              <a:t>2015/4/22</a:t>
+              <a:t>2015/4/27</a:t>
             </a:fld>
             <a:endParaRPr lang="zh-CN" altLang="en-US"/>
           </a:p>
@@ -470,6 +490,18 @@
   <p:clrMapOvr>
     <a:masterClrMapping/>
   </p:clrMapOvr>
+  <mc:AlternateContent xmlns:mc="http://schemas.openxmlformats.org/markup-compatibility/2006" xmlns:p14="http://schemas.microsoft.com/office/powerpoint/2010/main">
+    <mc:Choice Requires="p14">
+      <p:transition spd="slow" p14:dur="1600">
+        <p14:conveyor dir="l"/>
+      </p:transition>
+    </mc:Choice>
+    <mc:Fallback xmlns="">
+      <p:transition spd="slow">
+        <p:fade/>
+      </p:transition>
+    </mc:Fallback>
+  </mc:AlternateContent>
 </p:sldLayout>
 </file>
 
@@ -592,7 +624,7 @@
           <a:p>
             <a:fld id="{9A028A52-E082-4E07-8348-08B4320A4987}" type="datetimeFigureOut">
               <a:rPr lang="zh-CN" altLang="en-US" smtClean="0"/>
-              <a:t>2015/4/22</a:t>
+              <a:t>2015/4/27</a:t>
             </a:fld>
             <a:endParaRPr lang="zh-CN" altLang="en-US"/>
           </a:p>
@@ -650,6 +682,18 @@
   <p:clrMapOvr>
     <a:masterClrMapping/>
   </p:clrMapOvr>
+  <mc:AlternateContent xmlns:mc="http://schemas.openxmlformats.org/markup-compatibility/2006" xmlns:p14="http://schemas.microsoft.com/office/powerpoint/2010/main">
+    <mc:Choice Requires="p14">
+      <p:transition spd="slow" p14:dur="1600">
+        <p14:conveyor dir="l"/>
+      </p:transition>
+    </mc:Choice>
+    <mc:Fallback xmlns="">
+      <p:transition spd="slow">
+        <p:fade/>
+      </p:transition>
+    </mc:Fallback>
+  </mc:AlternateContent>
 </p:sldLayout>
 </file>
 
@@ -762,7 +806,7 @@
           <a:p>
             <a:fld id="{9A028A52-E082-4E07-8348-08B4320A4987}" type="datetimeFigureOut">
               <a:rPr lang="zh-CN" altLang="en-US" smtClean="0"/>
-              <a:t>2015/4/22</a:t>
+              <a:t>2015/4/27</a:t>
             </a:fld>
             <a:endParaRPr lang="zh-CN" altLang="en-US"/>
           </a:p>
@@ -820,6 +864,18 @@
   <p:clrMapOvr>
     <a:masterClrMapping/>
   </p:clrMapOvr>
+  <mc:AlternateContent xmlns:mc="http://schemas.openxmlformats.org/markup-compatibility/2006" xmlns:p14="http://schemas.microsoft.com/office/powerpoint/2010/main">
+    <mc:Choice Requires="p14">
+      <p:transition spd="slow" p14:dur="1600">
+        <p14:conveyor dir="l"/>
+      </p:transition>
+    </mc:Choice>
+    <mc:Fallback xmlns="">
+      <p:transition spd="slow">
+        <p:fade/>
+      </p:transition>
+    </mc:Fallback>
+  </mc:AlternateContent>
 </p:sldLayout>
 </file>
 
@@ -1008,7 +1064,7 @@
           <a:p>
             <a:fld id="{9A028A52-E082-4E07-8348-08B4320A4987}" type="datetimeFigureOut">
               <a:rPr lang="zh-CN" altLang="en-US" smtClean="0"/>
-              <a:t>2015/4/22</a:t>
+              <a:t>2015/4/27</a:t>
             </a:fld>
             <a:endParaRPr lang="zh-CN" altLang="en-US"/>
           </a:p>
@@ -1066,6 +1122,18 @@
   <p:clrMapOvr>
     <a:masterClrMapping/>
   </p:clrMapOvr>
+  <mc:AlternateContent xmlns:mc="http://schemas.openxmlformats.org/markup-compatibility/2006" xmlns:p14="http://schemas.microsoft.com/office/powerpoint/2010/main">
+    <mc:Choice Requires="p14">
+      <p:transition spd="slow" p14:dur="1600">
+        <p14:conveyor dir="l"/>
+      </p:transition>
+    </mc:Choice>
+    <mc:Fallback xmlns="">
+      <p:transition spd="slow">
+        <p:fade/>
+      </p:transition>
+    </mc:Fallback>
+  </mc:AlternateContent>
 </p:sldLayout>
 </file>
 
@@ -1240,7 +1308,7 @@
           <a:p>
             <a:fld id="{9A028A52-E082-4E07-8348-08B4320A4987}" type="datetimeFigureOut">
               <a:rPr lang="zh-CN" altLang="en-US" smtClean="0"/>
-              <a:t>2015/4/22</a:t>
+              <a:t>2015/4/27</a:t>
             </a:fld>
             <a:endParaRPr lang="zh-CN" altLang="en-US"/>
           </a:p>
@@ -1298,6 +1366,18 @@
   <p:clrMapOvr>
     <a:masterClrMapping/>
   </p:clrMapOvr>
+  <mc:AlternateContent xmlns:mc="http://schemas.openxmlformats.org/markup-compatibility/2006" xmlns:p14="http://schemas.microsoft.com/office/powerpoint/2010/main">
+    <mc:Choice Requires="p14">
+      <p:transition spd="slow" p14:dur="1600">
+        <p14:conveyor dir="l"/>
+      </p:transition>
+    </mc:Choice>
+    <mc:Fallback xmlns="">
+      <p:transition spd="slow">
+        <p:fade/>
+      </p:transition>
+    </mc:Fallback>
+  </mc:AlternateContent>
 </p:sldLayout>
 </file>
 
@@ -1607,7 +1687,7 @@
           <a:p>
             <a:fld id="{9A028A52-E082-4E07-8348-08B4320A4987}" type="datetimeFigureOut">
               <a:rPr lang="zh-CN" altLang="en-US" smtClean="0"/>
-              <a:t>2015/4/22</a:t>
+              <a:t>2015/4/27</a:t>
             </a:fld>
             <a:endParaRPr lang="zh-CN" altLang="en-US"/>
           </a:p>
@@ -1665,6 +1745,18 @@
   <p:clrMapOvr>
     <a:masterClrMapping/>
   </p:clrMapOvr>
+  <mc:AlternateContent xmlns:mc="http://schemas.openxmlformats.org/markup-compatibility/2006" xmlns:p14="http://schemas.microsoft.com/office/powerpoint/2010/main">
+    <mc:Choice Requires="p14">
+      <p:transition spd="slow" p14:dur="1600">
+        <p14:conveyor dir="l"/>
+      </p:transition>
+    </mc:Choice>
+    <mc:Fallback xmlns="">
+      <p:transition spd="slow">
+        <p:fade/>
+      </p:transition>
+    </mc:Fallback>
+  </mc:AlternateContent>
 </p:sldLayout>
 </file>
 
@@ -1725,7 +1817,7 @@
           <a:p>
             <a:fld id="{9A028A52-E082-4E07-8348-08B4320A4987}" type="datetimeFigureOut">
               <a:rPr lang="zh-CN" altLang="en-US" smtClean="0"/>
-              <a:t>2015/4/22</a:t>
+              <a:t>2015/4/27</a:t>
             </a:fld>
             <a:endParaRPr lang="zh-CN" altLang="en-US"/>
           </a:p>
@@ -1783,6 +1875,18 @@
   <p:clrMapOvr>
     <a:masterClrMapping/>
   </p:clrMapOvr>
+  <mc:AlternateContent xmlns:mc="http://schemas.openxmlformats.org/markup-compatibility/2006" xmlns:p14="http://schemas.microsoft.com/office/powerpoint/2010/main">
+    <mc:Choice Requires="p14">
+      <p:transition spd="slow" p14:dur="1600">
+        <p14:conveyor dir="l"/>
+      </p:transition>
+    </mc:Choice>
+    <mc:Fallback xmlns="">
+      <p:transition spd="slow">
+        <p:fade/>
+      </p:transition>
+    </mc:Fallback>
+  </mc:AlternateContent>
 </p:sldLayout>
 </file>
 
@@ -1820,7 +1924,7 @@
           <a:p>
             <a:fld id="{9A028A52-E082-4E07-8348-08B4320A4987}" type="datetimeFigureOut">
               <a:rPr lang="zh-CN" altLang="en-US" smtClean="0"/>
-              <a:t>2015/4/22</a:t>
+              <a:t>2015/4/27</a:t>
             </a:fld>
             <a:endParaRPr lang="zh-CN" altLang="en-US"/>
           </a:p>
@@ -1878,6 +1982,18 @@
   <p:clrMapOvr>
     <a:masterClrMapping/>
   </p:clrMapOvr>
+  <mc:AlternateContent xmlns:mc="http://schemas.openxmlformats.org/markup-compatibility/2006" xmlns:p14="http://schemas.microsoft.com/office/powerpoint/2010/main">
+    <mc:Choice Requires="p14">
+      <p:transition spd="slow" p14:dur="1600">
+        <p14:conveyor dir="l"/>
+      </p:transition>
+    </mc:Choice>
+    <mc:Fallback xmlns="">
+      <p:transition spd="slow">
+        <p:fade/>
+      </p:transition>
+    </mc:Fallback>
+  </mc:AlternateContent>
 </p:sldLayout>
 </file>
 
@@ -2097,7 +2213,7 @@
           <a:p>
             <a:fld id="{9A028A52-E082-4E07-8348-08B4320A4987}" type="datetimeFigureOut">
               <a:rPr lang="zh-CN" altLang="en-US" smtClean="0"/>
-              <a:t>2015/4/22</a:t>
+              <a:t>2015/4/27</a:t>
             </a:fld>
             <a:endParaRPr lang="zh-CN" altLang="en-US"/>
           </a:p>
@@ -2155,6 +2271,18 @@
   <p:clrMapOvr>
     <a:masterClrMapping/>
   </p:clrMapOvr>
+  <mc:AlternateContent xmlns:mc="http://schemas.openxmlformats.org/markup-compatibility/2006" xmlns:p14="http://schemas.microsoft.com/office/powerpoint/2010/main">
+    <mc:Choice Requires="p14">
+      <p:transition spd="slow" p14:dur="1600">
+        <p14:conveyor dir="l"/>
+      </p:transition>
+    </mc:Choice>
+    <mc:Fallback xmlns="">
+      <p:transition spd="slow">
+        <p:fade/>
+      </p:transition>
+    </mc:Fallback>
+  </mc:AlternateContent>
 </p:sldLayout>
 </file>
 
@@ -2350,7 +2478,7 @@
           <a:p>
             <a:fld id="{9A028A52-E082-4E07-8348-08B4320A4987}" type="datetimeFigureOut">
               <a:rPr lang="zh-CN" altLang="en-US" smtClean="0"/>
-              <a:t>2015/4/22</a:t>
+              <a:t>2015/4/27</a:t>
             </a:fld>
             <a:endParaRPr lang="zh-CN" altLang="en-US"/>
           </a:p>
@@ -2408,6 +2536,18 @@
   <p:clrMapOvr>
     <a:masterClrMapping/>
   </p:clrMapOvr>
+  <mc:AlternateContent xmlns:mc="http://schemas.openxmlformats.org/markup-compatibility/2006" xmlns:p14="http://schemas.microsoft.com/office/powerpoint/2010/main">
+    <mc:Choice Requires="p14">
+      <p:transition spd="slow" p14:dur="1600">
+        <p14:conveyor dir="l"/>
+      </p:transition>
+    </mc:Choice>
+    <mc:Fallback xmlns="">
+      <p:transition spd="slow">
+        <p:fade/>
+      </p:transition>
+    </mc:Fallback>
+  </mc:AlternateContent>
 </p:sldLayout>
 </file>
 
@@ -2563,7 +2703,7 @@
           <a:p>
             <a:fld id="{9A028A52-E082-4E07-8348-08B4320A4987}" type="datetimeFigureOut">
               <a:rPr lang="zh-CN" altLang="en-US" smtClean="0"/>
-              <a:t>2015/4/22</a:t>
+              <a:t>2015/4/27</a:t>
             </a:fld>
             <a:endParaRPr lang="zh-CN" altLang="en-US"/>
           </a:p>
@@ -2668,6 +2808,18 @@
     <p:sldLayoutId id="2147483658" r:id="rId10"/>
     <p:sldLayoutId id="2147483659" r:id="rId11"/>
   </p:sldLayoutIdLst>
+  <mc:AlternateContent xmlns:mc="http://schemas.openxmlformats.org/markup-compatibility/2006" xmlns:p14="http://schemas.microsoft.com/office/powerpoint/2010/main">
+    <mc:Choice Requires="p14">
+      <p:transition spd="slow" p14:dur="1600">
+        <p14:conveyor dir="l"/>
+      </p:transition>
+    </mc:Choice>
+    <mc:Fallback xmlns="">
+      <p:transition spd="slow">
+        <p:fade/>
+      </p:transition>
+    </mc:Fallback>
+  </mc:AlternateContent>
   <p:txStyles>
     <p:titleStyle>
       <a:lvl1pPr algn="l" defTabSz="914400" rtl="0" eaLnBrk="1" latinLnBrk="0" hangingPunct="1">
@@ -2954,6 +3106,21 @@
 <file path=ppt/slides/slide1.xml><?xml version="1.0" encoding="utf-8"?>
 <p:sld xmlns:a="http://schemas.openxmlformats.org/drawingml/2006/main" xmlns:r="http://schemas.openxmlformats.org/officeDocument/2006/relationships" xmlns:p="http://schemas.openxmlformats.org/presentationml/2006/main">
   <p:cSld>
+    <p:bg>
+      <p:bgPr>
+        <a:blipFill dpi="0" rotWithShape="1">
+          <a:blip r:embed="rId2">
+            <a:alphaModFix amt="52000"/>
+            <a:lum/>
+          </a:blip>
+          <a:srcRect/>
+          <a:stretch>
+            <a:fillRect/>
+          </a:stretch>
+        </a:blipFill>
+        <a:effectLst/>
+      </p:bgPr>
+    </p:bg>
     <p:spTree>
       <p:nvGrpSpPr>
         <p:cNvPr id="1" name=""/>
@@ -2970,56 +3137,940 @@
       </p:grpSpPr>
       <p:sp>
         <p:nvSpPr>
-          <p:cNvPr id="2" name="标题 1"/>
-          <p:cNvSpPr>
-            <a:spLocks noGrp="1"/>
-          </p:cNvSpPr>
-          <p:nvPr>
-            <p:ph type="ctrTitle"/>
-          </p:nvPr>
-        </p:nvSpPr>
-        <p:spPr/>
-        <p:txBody>
-          <a:bodyPr/>
-          <a:lstStyle/>
-          <a:p>
-            <a:r>
-              <a:rPr lang="en-US" altLang="zh-CN" dirty="0" smtClean="0"/>
-              <a:t>test</a:t>
-            </a:r>
-            <a:endParaRPr lang="zh-CN" altLang="en-US" dirty="0"/>
-          </a:p>
-        </p:txBody>
-      </p:sp>
-      <p:sp>
-        <p:nvSpPr>
-          <p:cNvPr id="3" name="副标题 2"/>
-          <p:cNvSpPr>
-            <a:spLocks noGrp="1"/>
-          </p:cNvSpPr>
-          <p:nvPr>
-            <p:ph type="subTitle" idx="1"/>
-          </p:nvPr>
-        </p:nvSpPr>
-        <p:spPr/>
-        <p:txBody>
-          <a:bodyPr/>
-          <a:lstStyle/>
-          <a:p>
-            <a:endParaRPr lang="zh-CN" altLang="en-US"/>
+          <p:cNvPr id="3" name="内容占位符 2"/>
+          <p:cNvSpPr txBox="1">
+            <a:spLocks/>
+          </p:cNvSpPr>
+          <p:nvPr/>
+        </p:nvSpPr>
+        <p:spPr>
+          <a:xfrm>
+            <a:off x="1108710" y="3345815"/>
+            <a:ext cx="10527030" cy="506095"/>
+          </a:xfrm>
+          <a:prstGeom prst="rect">
+            <a:avLst/>
+          </a:prstGeom>
+        </p:spPr>
+        <p:txBody>
+          <a:bodyPr>
+            <a:noAutofit/>
+          </a:bodyPr>
+          <a:lstStyle>
+            <a:lvl1pPr marL="228600" indent="-228600" algn="l" defTabSz="914400" rtl="0" eaLnBrk="1" latinLnBrk="0" hangingPunct="1">
+              <a:lnSpc>
+                <a:spcPct val="90000"/>
+              </a:lnSpc>
+              <a:spcBef>
+                <a:spcPts val="1000"/>
+              </a:spcBef>
+              <a:buFont typeface="Arial" panose="020B0604020202020204" pitchFamily="34" charset="0"/>
+              <a:buChar char="•"/>
+              <a:defRPr sz="2800" kern="1200">
+                <a:solidFill>
+                  <a:schemeClr val="tx1"/>
+                </a:solidFill>
+                <a:latin typeface="+mn-lt"/>
+                <a:ea typeface="+mn-ea"/>
+                <a:cs typeface="+mn-cs"/>
+              </a:defRPr>
+            </a:lvl1pPr>
+            <a:lvl2pPr marL="685800" indent="-228600" algn="l" defTabSz="914400" rtl="0" eaLnBrk="1" latinLnBrk="0" hangingPunct="1">
+              <a:lnSpc>
+                <a:spcPct val="90000"/>
+              </a:lnSpc>
+              <a:spcBef>
+                <a:spcPts val="500"/>
+              </a:spcBef>
+              <a:buFont typeface="Arial" panose="020B0604020202020204" pitchFamily="34" charset="0"/>
+              <a:buChar char="•"/>
+              <a:defRPr sz="2400" kern="1200">
+                <a:solidFill>
+                  <a:schemeClr val="tx1"/>
+                </a:solidFill>
+                <a:latin typeface="+mn-lt"/>
+                <a:ea typeface="+mn-ea"/>
+                <a:cs typeface="+mn-cs"/>
+              </a:defRPr>
+            </a:lvl2pPr>
+            <a:lvl3pPr marL="1143000" indent="-228600" algn="l" defTabSz="914400" rtl="0" eaLnBrk="1" latinLnBrk="0" hangingPunct="1">
+              <a:lnSpc>
+                <a:spcPct val="90000"/>
+              </a:lnSpc>
+              <a:spcBef>
+                <a:spcPts val="500"/>
+              </a:spcBef>
+              <a:buFont typeface="Arial" panose="020B0604020202020204" pitchFamily="34" charset="0"/>
+              <a:buChar char="•"/>
+              <a:defRPr sz="2000" kern="1200">
+                <a:solidFill>
+                  <a:schemeClr val="tx1"/>
+                </a:solidFill>
+                <a:latin typeface="+mn-lt"/>
+                <a:ea typeface="+mn-ea"/>
+                <a:cs typeface="+mn-cs"/>
+              </a:defRPr>
+            </a:lvl3pPr>
+            <a:lvl4pPr marL="1600200" indent="-228600" algn="l" defTabSz="914400" rtl="0" eaLnBrk="1" latinLnBrk="0" hangingPunct="1">
+              <a:lnSpc>
+                <a:spcPct val="90000"/>
+              </a:lnSpc>
+              <a:spcBef>
+                <a:spcPts val="500"/>
+              </a:spcBef>
+              <a:buFont typeface="Arial" panose="020B0604020202020204" pitchFamily="34" charset="0"/>
+              <a:buChar char="•"/>
+              <a:defRPr sz="1800" kern="1200">
+                <a:solidFill>
+                  <a:schemeClr val="tx1"/>
+                </a:solidFill>
+                <a:latin typeface="+mn-lt"/>
+                <a:ea typeface="+mn-ea"/>
+                <a:cs typeface="+mn-cs"/>
+              </a:defRPr>
+            </a:lvl4pPr>
+            <a:lvl5pPr marL="2057400" indent="-228600" algn="l" defTabSz="914400" rtl="0" eaLnBrk="1" latinLnBrk="0" hangingPunct="1">
+              <a:lnSpc>
+                <a:spcPct val="90000"/>
+              </a:lnSpc>
+              <a:spcBef>
+                <a:spcPts val="500"/>
+              </a:spcBef>
+              <a:buFont typeface="Arial" panose="020B0604020202020204" pitchFamily="34" charset="0"/>
+              <a:buChar char="•"/>
+              <a:defRPr sz="1800" kern="1200">
+                <a:solidFill>
+                  <a:schemeClr val="tx1"/>
+                </a:solidFill>
+                <a:latin typeface="+mn-lt"/>
+                <a:ea typeface="+mn-ea"/>
+                <a:cs typeface="+mn-cs"/>
+              </a:defRPr>
+            </a:lvl5pPr>
+            <a:lvl6pPr marL="2514600" indent="-228600" algn="l" defTabSz="914400" rtl="0" eaLnBrk="1" latinLnBrk="0" hangingPunct="1">
+              <a:lnSpc>
+                <a:spcPct val="90000"/>
+              </a:lnSpc>
+              <a:spcBef>
+                <a:spcPts val="500"/>
+              </a:spcBef>
+              <a:buFont typeface="Arial" panose="020B0604020202020204" pitchFamily="34" charset="0"/>
+              <a:buChar char="•"/>
+              <a:defRPr sz="1800" kern="1200">
+                <a:solidFill>
+                  <a:schemeClr val="tx1"/>
+                </a:solidFill>
+                <a:latin typeface="+mn-lt"/>
+                <a:ea typeface="+mn-ea"/>
+                <a:cs typeface="+mn-cs"/>
+              </a:defRPr>
+            </a:lvl6pPr>
+            <a:lvl7pPr marL="2971800" indent="-228600" algn="l" defTabSz="914400" rtl="0" eaLnBrk="1" latinLnBrk="0" hangingPunct="1">
+              <a:lnSpc>
+                <a:spcPct val="90000"/>
+              </a:lnSpc>
+              <a:spcBef>
+                <a:spcPts val="500"/>
+              </a:spcBef>
+              <a:buFont typeface="Arial" panose="020B0604020202020204" pitchFamily="34" charset="0"/>
+              <a:buChar char="•"/>
+              <a:defRPr sz="1800" kern="1200">
+                <a:solidFill>
+                  <a:schemeClr val="tx1"/>
+                </a:solidFill>
+                <a:latin typeface="+mn-lt"/>
+                <a:ea typeface="+mn-ea"/>
+                <a:cs typeface="+mn-cs"/>
+              </a:defRPr>
+            </a:lvl7pPr>
+            <a:lvl8pPr marL="3429000" indent="-228600" algn="l" defTabSz="914400" rtl="0" eaLnBrk="1" latinLnBrk="0" hangingPunct="1">
+              <a:lnSpc>
+                <a:spcPct val="90000"/>
+              </a:lnSpc>
+              <a:spcBef>
+                <a:spcPts val="500"/>
+              </a:spcBef>
+              <a:buFont typeface="Arial" panose="020B0604020202020204" pitchFamily="34" charset="0"/>
+              <a:buChar char="•"/>
+              <a:defRPr sz="1800" kern="1200">
+                <a:solidFill>
+                  <a:schemeClr val="tx1"/>
+                </a:solidFill>
+                <a:latin typeface="+mn-lt"/>
+                <a:ea typeface="+mn-ea"/>
+                <a:cs typeface="+mn-cs"/>
+              </a:defRPr>
+            </a:lvl8pPr>
+            <a:lvl9pPr marL="3886200" indent="-228600" algn="l" defTabSz="914400" rtl="0" eaLnBrk="1" latinLnBrk="0" hangingPunct="1">
+              <a:lnSpc>
+                <a:spcPct val="90000"/>
+              </a:lnSpc>
+              <a:spcBef>
+                <a:spcPts val="500"/>
+              </a:spcBef>
+              <a:buFont typeface="Arial" panose="020B0604020202020204" pitchFamily="34" charset="0"/>
+              <a:buChar char="•"/>
+              <a:defRPr sz="1800" kern="1200">
+                <a:solidFill>
+                  <a:schemeClr val="tx1"/>
+                </a:solidFill>
+                <a:latin typeface="+mn-lt"/>
+                <a:ea typeface="+mn-ea"/>
+                <a:cs typeface="+mn-cs"/>
+              </a:defRPr>
+            </a:lvl9pPr>
+          </a:lstStyle>
+          <a:p>
+            <a:pPr marL="0" indent="0">
+              <a:buFont typeface="Arial" panose="020B0604020202020204" pitchFamily="34" charset="0"/>
+              <a:buNone/>
+            </a:pPr>
+            <a:r>
+              <a:rPr lang="zh-CN" altLang="en-US" sz="4400" dirty="0" smtClean="0">
+                <a:solidFill>
+                  <a:schemeClr val="bg2">
+                    <a:lumMod val="10000"/>
+                  </a:schemeClr>
+                </a:solidFill>
+                <a:latin typeface="方正清刻本悦宋简体" panose="02000000000000000000" pitchFamily="2" charset="-122"/>
+                <a:ea typeface="方正清刻本悦宋简体" panose="02000000000000000000" pitchFamily="2" charset="-122"/>
+              </a:rPr>
+              <a:t>这就是我们的，</a:t>
+            </a:r>
+            <a:r>
+              <a:rPr lang="zh-CN" altLang="en-US" sz="4400" smtClean="0">
+                <a:solidFill>
+                  <a:srgbClr val="ED093A"/>
+                </a:solidFill>
+                <a:latin typeface="方正清刻本悦宋简体" panose="02000000000000000000" pitchFamily="2" charset="-122"/>
+                <a:ea typeface="方正清刻本悦宋简体" panose="02000000000000000000" pitchFamily="2" charset="-122"/>
+              </a:rPr>
+              <a:t>青春</a:t>
+            </a:r>
+            <a:r>
+              <a:rPr lang="zh-CN" altLang="en-US" sz="4400" smtClean="0">
+                <a:solidFill>
+                  <a:schemeClr val="bg2">
+                    <a:lumMod val="10000"/>
+                  </a:schemeClr>
+                </a:solidFill>
+                <a:latin typeface="方正清刻本悦宋简体" panose="02000000000000000000" pitchFamily="2" charset="-122"/>
+                <a:ea typeface="方正清刻本悦宋简体" panose="02000000000000000000" pitchFamily="2" charset="-122"/>
+              </a:rPr>
+              <a:t>纪念手册</a:t>
+            </a:r>
+            <a:endParaRPr lang="zh-CN" altLang="en-US" sz="4400" dirty="0">
+              <a:solidFill>
+                <a:schemeClr val="bg2">
+                  <a:lumMod val="75000"/>
+                </a:schemeClr>
+              </a:solidFill>
+              <a:latin typeface="方正清刻本悦宋简体" panose="02000000000000000000" pitchFamily="2" charset="-122"/>
+              <a:ea typeface="方正清刻本悦宋简体" panose="02000000000000000000" pitchFamily="2" charset="-122"/>
+            </a:endParaRPr>
+          </a:p>
+        </p:txBody>
+      </p:sp>
+      <p:sp>
+        <p:nvSpPr>
+          <p:cNvPr id="4" name="内容占位符 2"/>
+          <p:cNvSpPr txBox="1">
+            <a:spLocks/>
+          </p:cNvSpPr>
+          <p:nvPr/>
+        </p:nvSpPr>
+        <p:spPr>
+          <a:xfrm>
+            <a:off x="1108710" y="2492375"/>
+            <a:ext cx="10252710" cy="506095"/>
+          </a:xfrm>
+          <a:prstGeom prst="rect">
+            <a:avLst/>
+          </a:prstGeom>
+        </p:spPr>
+        <p:txBody>
+          <a:bodyPr>
+            <a:noAutofit/>
+          </a:bodyPr>
+          <a:lstStyle>
+            <a:lvl1pPr marL="228600" indent="-228600" algn="l" defTabSz="914400" rtl="0" eaLnBrk="1" latinLnBrk="0" hangingPunct="1">
+              <a:lnSpc>
+                <a:spcPct val="90000"/>
+              </a:lnSpc>
+              <a:spcBef>
+                <a:spcPts val="1000"/>
+              </a:spcBef>
+              <a:buFont typeface="Arial" panose="020B0604020202020204" pitchFamily="34" charset="0"/>
+              <a:buChar char="•"/>
+              <a:defRPr sz="2800" kern="1200">
+                <a:solidFill>
+                  <a:schemeClr val="tx1"/>
+                </a:solidFill>
+                <a:latin typeface="+mn-lt"/>
+                <a:ea typeface="+mn-ea"/>
+                <a:cs typeface="+mn-cs"/>
+              </a:defRPr>
+            </a:lvl1pPr>
+            <a:lvl2pPr marL="685800" indent="-228600" algn="l" defTabSz="914400" rtl="0" eaLnBrk="1" latinLnBrk="0" hangingPunct="1">
+              <a:lnSpc>
+                <a:spcPct val="90000"/>
+              </a:lnSpc>
+              <a:spcBef>
+                <a:spcPts val="500"/>
+              </a:spcBef>
+              <a:buFont typeface="Arial" panose="020B0604020202020204" pitchFamily="34" charset="0"/>
+              <a:buChar char="•"/>
+              <a:defRPr sz="2400" kern="1200">
+                <a:solidFill>
+                  <a:schemeClr val="tx1"/>
+                </a:solidFill>
+                <a:latin typeface="+mn-lt"/>
+                <a:ea typeface="+mn-ea"/>
+                <a:cs typeface="+mn-cs"/>
+              </a:defRPr>
+            </a:lvl2pPr>
+            <a:lvl3pPr marL="1143000" indent="-228600" algn="l" defTabSz="914400" rtl="0" eaLnBrk="1" latinLnBrk="0" hangingPunct="1">
+              <a:lnSpc>
+                <a:spcPct val="90000"/>
+              </a:lnSpc>
+              <a:spcBef>
+                <a:spcPts val="500"/>
+              </a:spcBef>
+              <a:buFont typeface="Arial" panose="020B0604020202020204" pitchFamily="34" charset="0"/>
+              <a:buChar char="•"/>
+              <a:defRPr sz="2000" kern="1200">
+                <a:solidFill>
+                  <a:schemeClr val="tx1"/>
+                </a:solidFill>
+                <a:latin typeface="+mn-lt"/>
+                <a:ea typeface="+mn-ea"/>
+                <a:cs typeface="+mn-cs"/>
+              </a:defRPr>
+            </a:lvl3pPr>
+            <a:lvl4pPr marL="1600200" indent="-228600" algn="l" defTabSz="914400" rtl="0" eaLnBrk="1" latinLnBrk="0" hangingPunct="1">
+              <a:lnSpc>
+                <a:spcPct val="90000"/>
+              </a:lnSpc>
+              <a:spcBef>
+                <a:spcPts val="500"/>
+              </a:spcBef>
+              <a:buFont typeface="Arial" panose="020B0604020202020204" pitchFamily="34" charset="0"/>
+              <a:buChar char="•"/>
+              <a:defRPr sz="1800" kern="1200">
+                <a:solidFill>
+                  <a:schemeClr val="tx1"/>
+                </a:solidFill>
+                <a:latin typeface="+mn-lt"/>
+                <a:ea typeface="+mn-ea"/>
+                <a:cs typeface="+mn-cs"/>
+              </a:defRPr>
+            </a:lvl4pPr>
+            <a:lvl5pPr marL="2057400" indent="-228600" algn="l" defTabSz="914400" rtl="0" eaLnBrk="1" latinLnBrk="0" hangingPunct="1">
+              <a:lnSpc>
+                <a:spcPct val="90000"/>
+              </a:lnSpc>
+              <a:spcBef>
+                <a:spcPts val="500"/>
+              </a:spcBef>
+              <a:buFont typeface="Arial" panose="020B0604020202020204" pitchFamily="34" charset="0"/>
+              <a:buChar char="•"/>
+              <a:defRPr sz="1800" kern="1200">
+                <a:solidFill>
+                  <a:schemeClr val="tx1"/>
+                </a:solidFill>
+                <a:latin typeface="+mn-lt"/>
+                <a:ea typeface="+mn-ea"/>
+                <a:cs typeface="+mn-cs"/>
+              </a:defRPr>
+            </a:lvl5pPr>
+            <a:lvl6pPr marL="2514600" indent="-228600" algn="l" defTabSz="914400" rtl="0" eaLnBrk="1" latinLnBrk="0" hangingPunct="1">
+              <a:lnSpc>
+                <a:spcPct val="90000"/>
+              </a:lnSpc>
+              <a:spcBef>
+                <a:spcPts val="500"/>
+              </a:spcBef>
+              <a:buFont typeface="Arial" panose="020B0604020202020204" pitchFamily="34" charset="0"/>
+              <a:buChar char="•"/>
+              <a:defRPr sz="1800" kern="1200">
+                <a:solidFill>
+                  <a:schemeClr val="tx1"/>
+                </a:solidFill>
+                <a:latin typeface="+mn-lt"/>
+                <a:ea typeface="+mn-ea"/>
+                <a:cs typeface="+mn-cs"/>
+              </a:defRPr>
+            </a:lvl6pPr>
+            <a:lvl7pPr marL="2971800" indent="-228600" algn="l" defTabSz="914400" rtl="0" eaLnBrk="1" latinLnBrk="0" hangingPunct="1">
+              <a:lnSpc>
+                <a:spcPct val="90000"/>
+              </a:lnSpc>
+              <a:spcBef>
+                <a:spcPts val="500"/>
+              </a:spcBef>
+              <a:buFont typeface="Arial" panose="020B0604020202020204" pitchFamily="34" charset="0"/>
+              <a:buChar char="•"/>
+              <a:defRPr sz="1800" kern="1200">
+                <a:solidFill>
+                  <a:schemeClr val="tx1"/>
+                </a:solidFill>
+                <a:latin typeface="+mn-lt"/>
+                <a:ea typeface="+mn-ea"/>
+                <a:cs typeface="+mn-cs"/>
+              </a:defRPr>
+            </a:lvl7pPr>
+            <a:lvl8pPr marL="3429000" indent="-228600" algn="l" defTabSz="914400" rtl="0" eaLnBrk="1" latinLnBrk="0" hangingPunct="1">
+              <a:lnSpc>
+                <a:spcPct val="90000"/>
+              </a:lnSpc>
+              <a:spcBef>
+                <a:spcPts val="500"/>
+              </a:spcBef>
+              <a:buFont typeface="Arial" panose="020B0604020202020204" pitchFamily="34" charset="0"/>
+              <a:buChar char="•"/>
+              <a:defRPr sz="1800" kern="1200">
+                <a:solidFill>
+                  <a:schemeClr val="tx1"/>
+                </a:solidFill>
+                <a:latin typeface="+mn-lt"/>
+                <a:ea typeface="+mn-ea"/>
+                <a:cs typeface="+mn-cs"/>
+              </a:defRPr>
+            </a:lvl8pPr>
+            <a:lvl9pPr marL="3886200" indent="-228600" algn="l" defTabSz="914400" rtl="0" eaLnBrk="1" latinLnBrk="0" hangingPunct="1">
+              <a:lnSpc>
+                <a:spcPct val="90000"/>
+              </a:lnSpc>
+              <a:spcBef>
+                <a:spcPts val="500"/>
+              </a:spcBef>
+              <a:buFont typeface="Arial" panose="020B0604020202020204" pitchFamily="34" charset="0"/>
+              <a:buChar char="•"/>
+              <a:defRPr sz="1800" kern="1200">
+                <a:solidFill>
+                  <a:schemeClr val="tx1"/>
+                </a:solidFill>
+                <a:latin typeface="+mn-lt"/>
+                <a:ea typeface="+mn-ea"/>
+                <a:cs typeface="+mn-cs"/>
+              </a:defRPr>
+            </a:lvl9pPr>
+          </a:lstStyle>
+          <a:p>
+            <a:pPr marL="0" indent="0">
+              <a:buFont typeface="Arial" panose="020B0604020202020204" pitchFamily="34" charset="0"/>
+              <a:buNone/>
+            </a:pPr>
+            <a:r>
+              <a:rPr lang="zh-CN" altLang="en-US" sz="4400" dirty="0" smtClean="0">
+                <a:solidFill>
+                  <a:schemeClr val="bg2">
+                    <a:lumMod val="10000"/>
+                  </a:schemeClr>
+                </a:solidFill>
+                <a:latin typeface="方正清刻本悦宋简体" panose="02000000000000000000" pitchFamily="2" charset="-122"/>
+                <a:ea typeface="方正清刻本悦宋简体" panose="02000000000000000000" pitchFamily="2" charset="-122"/>
+              </a:rPr>
+              <a:t>跟着我，左手右手一个慢动作</a:t>
+            </a:r>
+            <a:endParaRPr lang="zh-CN" altLang="en-US" sz="4400" dirty="0">
+              <a:solidFill>
+                <a:schemeClr val="bg2">
+                  <a:lumMod val="75000"/>
+                </a:schemeClr>
+              </a:solidFill>
+              <a:latin typeface="方正清刻本悦宋简体" panose="02000000000000000000" pitchFamily="2" charset="-122"/>
+              <a:ea typeface="方正清刻本悦宋简体" panose="02000000000000000000" pitchFamily="2" charset="-122"/>
+            </a:endParaRPr>
+          </a:p>
+        </p:txBody>
+      </p:sp>
+      <p:sp>
+        <p:nvSpPr>
+          <p:cNvPr id="5" name="内容占位符 2"/>
+          <p:cNvSpPr txBox="1">
+            <a:spLocks/>
+          </p:cNvSpPr>
+          <p:nvPr/>
+        </p:nvSpPr>
+        <p:spPr>
+          <a:xfrm>
+            <a:off x="8549640" y="4549775"/>
+            <a:ext cx="2034540" cy="506095"/>
+          </a:xfrm>
+          <a:prstGeom prst="rect">
+            <a:avLst/>
+          </a:prstGeom>
+        </p:spPr>
+        <p:txBody>
+          <a:bodyPr>
+            <a:noAutofit/>
+          </a:bodyPr>
+          <a:lstStyle>
+            <a:lvl1pPr marL="228600" indent="-228600" algn="l" defTabSz="914400" rtl="0" eaLnBrk="1" latinLnBrk="0" hangingPunct="1">
+              <a:lnSpc>
+                <a:spcPct val="90000"/>
+              </a:lnSpc>
+              <a:spcBef>
+                <a:spcPts val="1000"/>
+              </a:spcBef>
+              <a:buFont typeface="Arial" panose="020B0604020202020204" pitchFamily="34" charset="0"/>
+              <a:buChar char="•"/>
+              <a:defRPr sz="2800" kern="1200">
+                <a:solidFill>
+                  <a:schemeClr val="tx1"/>
+                </a:solidFill>
+                <a:latin typeface="+mn-lt"/>
+                <a:ea typeface="+mn-ea"/>
+                <a:cs typeface="+mn-cs"/>
+              </a:defRPr>
+            </a:lvl1pPr>
+            <a:lvl2pPr marL="685800" indent="-228600" algn="l" defTabSz="914400" rtl="0" eaLnBrk="1" latinLnBrk="0" hangingPunct="1">
+              <a:lnSpc>
+                <a:spcPct val="90000"/>
+              </a:lnSpc>
+              <a:spcBef>
+                <a:spcPts val="500"/>
+              </a:spcBef>
+              <a:buFont typeface="Arial" panose="020B0604020202020204" pitchFamily="34" charset="0"/>
+              <a:buChar char="•"/>
+              <a:defRPr sz="2400" kern="1200">
+                <a:solidFill>
+                  <a:schemeClr val="tx1"/>
+                </a:solidFill>
+                <a:latin typeface="+mn-lt"/>
+                <a:ea typeface="+mn-ea"/>
+                <a:cs typeface="+mn-cs"/>
+              </a:defRPr>
+            </a:lvl2pPr>
+            <a:lvl3pPr marL="1143000" indent="-228600" algn="l" defTabSz="914400" rtl="0" eaLnBrk="1" latinLnBrk="0" hangingPunct="1">
+              <a:lnSpc>
+                <a:spcPct val="90000"/>
+              </a:lnSpc>
+              <a:spcBef>
+                <a:spcPts val="500"/>
+              </a:spcBef>
+              <a:buFont typeface="Arial" panose="020B0604020202020204" pitchFamily="34" charset="0"/>
+              <a:buChar char="•"/>
+              <a:defRPr sz="2000" kern="1200">
+                <a:solidFill>
+                  <a:schemeClr val="tx1"/>
+                </a:solidFill>
+                <a:latin typeface="+mn-lt"/>
+                <a:ea typeface="+mn-ea"/>
+                <a:cs typeface="+mn-cs"/>
+              </a:defRPr>
+            </a:lvl3pPr>
+            <a:lvl4pPr marL="1600200" indent="-228600" algn="l" defTabSz="914400" rtl="0" eaLnBrk="1" latinLnBrk="0" hangingPunct="1">
+              <a:lnSpc>
+                <a:spcPct val="90000"/>
+              </a:lnSpc>
+              <a:spcBef>
+                <a:spcPts val="500"/>
+              </a:spcBef>
+              <a:buFont typeface="Arial" panose="020B0604020202020204" pitchFamily="34" charset="0"/>
+              <a:buChar char="•"/>
+              <a:defRPr sz="1800" kern="1200">
+                <a:solidFill>
+                  <a:schemeClr val="tx1"/>
+                </a:solidFill>
+                <a:latin typeface="+mn-lt"/>
+                <a:ea typeface="+mn-ea"/>
+                <a:cs typeface="+mn-cs"/>
+              </a:defRPr>
+            </a:lvl4pPr>
+            <a:lvl5pPr marL="2057400" indent="-228600" algn="l" defTabSz="914400" rtl="0" eaLnBrk="1" latinLnBrk="0" hangingPunct="1">
+              <a:lnSpc>
+                <a:spcPct val="90000"/>
+              </a:lnSpc>
+              <a:spcBef>
+                <a:spcPts val="500"/>
+              </a:spcBef>
+              <a:buFont typeface="Arial" panose="020B0604020202020204" pitchFamily="34" charset="0"/>
+              <a:buChar char="•"/>
+              <a:defRPr sz="1800" kern="1200">
+                <a:solidFill>
+                  <a:schemeClr val="tx1"/>
+                </a:solidFill>
+                <a:latin typeface="+mn-lt"/>
+                <a:ea typeface="+mn-ea"/>
+                <a:cs typeface="+mn-cs"/>
+              </a:defRPr>
+            </a:lvl5pPr>
+            <a:lvl6pPr marL="2514600" indent="-228600" algn="l" defTabSz="914400" rtl="0" eaLnBrk="1" latinLnBrk="0" hangingPunct="1">
+              <a:lnSpc>
+                <a:spcPct val="90000"/>
+              </a:lnSpc>
+              <a:spcBef>
+                <a:spcPts val="500"/>
+              </a:spcBef>
+              <a:buFont typeface="Arial" panose="020B0604020202020204" pitchFamily="34" charset="0"/>
+              <a:buChar char="•"/>
+              <a:defRPr sz="1800" kern="1200">
+                <a:solidFill>
+                  <a:schemeClr val="tx1"/>
+                </a:solidFill>
+                <a:latin typeface="+mn-lt"/>
+                <a:ea typeface="+mn-ea"/>
+                <a:cs typeface="+mn-cs"/>
+              </a:defRPr>
+            </a:lvl6pPr>
+            <a:lvl7pPr marL="2971800" indent="-228600" algn="l" defTabSz="914400" rtl="0" eaLnBrk="1" latinLnBrk="0" hangingPunct="1">
+              <a:lnSpc>
+                <a:spcPct val="90000"/>
+              </a:lnSpc>
+              <a:spcBef>
+                <a:spcPts val="500"/>
+              </a:spcBef>
+              <a:buFont typeface="Arial" panose="020B0604020202020204" pitchFamily="34" charset="0"/>
+              <a:buChar char="•"/>
+              <a:defRPr sz="1800" kern="1200">
+                <a:solidFill>
+                  <a:schemeClr val="tx1"/>
+                </a:solidFill>
+                <a:latin typeface="+mn-lt"/>
+                <a:ea typeface="+mn-ea"/>
+                <a:cs typeface="+mn-cs"/>
+              </a:defRPr>
+            </a:lvl7pPr>
+            <a:lvl8pPr marL="3429000" indent="-228600" algn="l" defTabSz="914400" rtl="0" eaLnBrk="1" latinLnBrk="0" hangingPunct="1">
+              <a:lnSpc>
+                <a:spcPct val="90000"/>
+              </a:lnSpc>
+              <a:spcBef>
+                <a:spcPts val="500"/>
+              </a:spcBef>
+              <a:buFont typeface="Arial" panose="020B0604020202020204" pitchFamily="34" charset="0"/>
+              <a:buChar char="•"/>
+              <a:defRPr sz="1800" kern="1200">
+                <a:solidFill>
+                  <a:schemeClr val="tx1"/>
+                </a:solidFill>
+                <a:latin typeface="+mn-lt"/>
+                <a:ea typeface="+mn-ea"/>
+                <a:cs typeface="+mn-cs"/>
+              </a:defRPr>
+            </a:lvl8pPr>
+            <a:lvl9pPr marL="3886200" indent="-228600" algn="l" defTabSz="914400" rtl="0" eaLnBrk="1" latinLnBrk="0" hangingPunct="1">
+              <a:lnSpc>
+                <a:spcPct val="90000"/>
+              </a:lnSpc>
+              <a:spcBef>
+                <a:spcPts val="500"/>
+              </a:spcBef>
+              <a:buFont typeface="Arial" panose="020B0604020202020204" pitchFamily="34" charset="0"/>
+              <a:buChar char="•"/>
+              <a:defRPr sz="1800" kern="1200">
+                <a:solidFill>
+                  <a:schemeClr val="tx1"/>
+                </a:solidFill>
+                <a:latin typeface="+mn-lt"/>
+                <a:ea typeface="+mn-ea"/>
+                <a:cs typeface="+mn-cs"/>
+              </a:defRPr>
+            </a:lvl9pPr>
+          </a:lstStyle>
+          <a:p>
+            <a:pPr marL="0" indent="0">
+              <a:buFont typeface="Arial" panose="020B0604020202020204" pitchFamily="34" charset="0"/>
+              <a:buNone/>
+            </a:pPr>
+            <a:r>
+              <a:rPr lang="en-US" altLang="zh-CN" sz="4400" dirty="0" smtClean="0">
+                <a:solidFill>
+                  <a:schemeClr val="bg2">
+                    <a:lumMod val="10000"/>
+                  </a:schemeClr>
+                </a:solidFill>
+                <a:latin typeface="方正清刻本悦宋简体" panose="02000000000000000000" pitchFamily="2" charset="-122"/>
+                <a:ea typeface="方正清刻本悦宋简体" panose="02000000000000000000" pitchFamily="2" charset="-122"/>
+              </a:rPr>
+              <a:t>-</a:t>
+            </a:r>
+            <a:r>
+              <a:rPr lang="zh-CN" altLang="en-US" sz="4400" dirty="0" smtClean="0">
+                <a:solidFill>
+                  <a:schemeClr val="bg2">
+                    <a:lumMod val="10000"/>
+                  </a:schemeClr>
+                </a:solidFill>
+                <a:latin typeface="方正清刻本悦宋简体" panose="02000000000000000000" pitchFamily="2" charset="-122"/>
+                <a:ea typeface="方正清刻本悦宋简体" panose="02000000000000000000" pitchFamily="2" charset="-122"/>
+              </a:rPr>
+              <a:t>谢谢</a:t>
+            </a:r>
+            <a:r>
+              <a:rPr lang="en-US" altLang="zh-CN" sz="4400" dirty="0" smtClean="0">
+                <a:solidFill>
+                  <a:schemeClr val="bg2">
+                    <a:lumMod val="10000"/>
+                  </a:schemeClr>
+                </a:solidFill>
+                <a:latin typeface="方正清刻本悦宋简体" panose="02000000000000000000" pitchFamily="2" charset="-122"/>
+                <a:ea typeface="方正清刻本悦宋简体" panose="02000000000000000000" pitchFamily="2" charset="-122"/>
+              </a:rPr>
+              <a:t>-</a:t>
+            </a:r>
+            <a:endParaRPr lang="zh-CN" altLang="en-US" sz="4400" dirty="0">
+              <a:solidFill>
+                <a:schemeClr val="bg2">
+                  <a:lumMod val="75000"/>
+                </a:schemeClr>
+              </a:solidFill>
+              <a:latin typeface="方正清刻本悦宋简体" panose="02000000000000000000" pitchFamily="2" charset="-122"/>
+              <a:ea typeface="方正清刻本悦宋简体" panose="02000000000000000000" pitchFamily="2" charset="-122"/>
+            </a:endParaRPr>
+          </a:p>
+        </p:txBody>
+      </p:sp>
+      <p:sp>
+        <p:nvSpPr>
+          <p:cNvPr id="6" name="内容占位符 2"/>
+          <p:cNvSpPr txBox="1">
+            <a:spLocks/>
+          </p:cNvSpPr>
+          <p:nvPr/>
+        </p:nvSpPr>
+        <p:spPr>
+          <a:xfrm>
+            <a:off x="9566910" y="6428105"/>
+            <a:ext cx="2339340" cy="304165"/>
+          </a:xfrm>
+          <a:prstGeom prst="rect">
+            <a:avLst/>
+          </a:prstGeom>
+        </p:spPr>
+        <p:txBody>
+          <a:bodyPr>
+            <a:noAutofit/>
+          </a:bodyPr>
+          <a:lstStyle>
+            <a:lvl1pPr marL="228600" indent="-228600" algn="l" defTabSz="914400" rtl="0" eaLnBrk="1" latinLnBrk="0" hangingPunct="1">
+              <a:lnSpc>
+                <a:spcPct val="90000"/>
+              </a:lnSpc>
+              <a:spcBef>
+                <a:spcPts val="1000"/>
+              </a:spcBef>
+              <a:buFont typeface="Arial" panose="020B0604020202020204" pitchFamily="34" charset="0"/>
+              <a:buChar char="•"/>
+              <a:defRPr sz="2800" kern="1200">
+                <a:solidFill>
+                  <a:schemeClr val="tx1"/>
+                </a:solidFill>
+                <a:latin typeface="+mn-lt"/>
+                <a:ea typeface="+mn-ea"/>
+                <a:cs typeface="+mn-cs"/>
+              </a:defRPr>
+            </a:lvl1pPr>
+            <a:lvl2pPr marL="685800" indent="-228600" algn="l" defTabSz="914400" rtl="0" eaLnBrk="1" latinLnBrk="0" hangingPunct="1">
+              <a:lnSpc>
+                <a:spcPct val="90000"/>
+              </a:lnSpc>
+              <a:spcBef>
+                <a:spcPts val="500"/>
+              </a:spcBef>
+              <a:buFont typeface="Arial" panose="020B0604020202020204" pitchFamily="34" charset="0"/>
+              <a:buChar char="•"/>
+              <a:defRPr sz="2400" kern="1200">
+                <a:solidFill>
+                  <a:schemeClr val="tx1"/>
+                </a:solidFill>
+                <a:latin typeface="+mn-lt"/>
+                <a:ea typeface="+mn-ea"/>
+                <a:cs typeface="+mn-cs"/>
+              </a:defRPr>
+            </a:lvl2pPr>
+            <a:lvl3pPr marL="1143000" indent="-228600" algn="l" defTabSz="914400" rtl="0" eaLnBrk="1" latinLnBrk="0" hangingPunct="1">
+              <a:lnSpc>
+                <a:spcPct val="90000"/>
+              </a:lnSpc>
+              <a:spcBef>
+                <a:spcPts val="500"/>
+              </a:spcBef>
+              <a:buFont typeface="Arial" panose="020B0604020202020204" pitchFamily="34" charset="0"/>
+              <a:buChar char="•"/>
+              <a:defRPr sz="2000" kern="1200">
+                <a:solidFill>
+                  <a:schemeClr val="tx1"/>
+                </a:solidFill>
+                <a:latin typeface="+mn-lt"/>
+                <a:ea typeface="+mn-ea"/>
+                <a:cs typeface="+mn-cs"/>
+              </a:defRPr>
+            </a:lvl3pPr>
+            <a:lvl4pPr marL="1600200" indent="-228600" algn="l" defTabSz="914400" rtl="0" eaLnBrk="1" latinLnBrk="0" hangingPunct="1">
+              <a:lnSpc>
+                <a:spcPct val="90000"/>
+              </a:lnSpc>
+              <a:spcBef>
+                <a:spcPts val="500"/>
+              </a:spcBef>
+              <a:buFont typeface="Arial" panose="020B0604020202020204" pitchFamily="34" charset="0"/>
+              <a:buChar char="•"/>
+              <a:defRPr sz="1800" kern="1200">
+                <a:solidFill>
+                  <a:schemeClr val="tx1"/>
+                </a:solidFill>
+                <a:latin typeface="+mn-lt"/>
+                <a:ea typeface="+mn-ea"/>
+                <a:cs typeface="+mn-cs"/>
+              </a:defRPr>
+            </a:lvl4pPr>
+            <a:lvl5pPr marL="2057400" indent="-228600" algn="l" defTabSz="914400" rtl="0" eaLnBrk="1" latinLnBrk="0" hangingPunct="1">
+              <a:lnSpc>
+                <a:spcPct val="90000"/>
+              </a:lnSpc>
+              <a:spcBef>
+                <a:spcPts val="500"/>
+              </a:spcBef>
+              <a:buFont typeface="Arial" panose="020B0604020202020204" pitchFamily="34" charset="0"/>
+              <a:buChar char="•"/>
+              <a:defRPr sz="1800" kern="1200">
+                <a:solidFill>
+                  <a:schemeClr val="tx1"/>
+                </a:solidFill>
+                <a:latin typeface="+mn-lt"/>
+                <a:ea typeface="+mn-ea"/>
+                <a:cs typeface="+mn-cs"/>
+              </a:defRPr>
+            </a:lvl5pPr>
+            <a:lvl6pPr marL="2514600" indent="-228600" algn="l" defTabSz="914400" rtl="0" eaLnBrk="1" latinLnBrk="0" hangingPunct="1">
+              <a:lnSpc>
+                <a:spcPct val="90000"/>
+              </a:lnSpc>
+              <a:spcBef>
+                <a:spcPts val="500"/>
+              </a:spcBef>
+              <a:buFont typeface="Arial" panose="020B0604020202020204" pitchFamily="34" charset="0"/>
+              <a:buChar char="•"/>
+              <a:defRPr sz="1800" kern="1200">
+                <a:solidFill>
+                  <a:schemeClr val="tx1"/>
+                </a:solidFill>
+                <a:latin typeface="+mn-lt"/>
+                <a:ea typeface="+mn-ea"/>
+                <a:cs typeface="+mn-cs"/>
+              </a:defRPr>
+            </a:lvl6pPr>
+            <a:lvl7pPr marL="2971800" indent="-228600" algn="l" defTabSz="914400" rtl="0" eaLnBrk="1" latinLnBrk="0" hangingPunct="1">
+              <a:lnSpc>
+                <a:spcPct val="90000"/>
+              </a:lnSpc>
+              <a:spcBef>
+                <a:spcPts val="500"/>
+              </a:spcBef>
+              <a:buFont typeface="Arial" panose="020B0604020202020204" pitchFamily="34" charset="0"/>
+              <a:buChar char="•"/>
+              <a:defRPr sz="1800" kern="1200">
+                <a:solidFill>
+                  <a:schemeClr val="tx1"/>
+                </a:solidFill>
+                <a:latin typeface="+mn-lt"/>
+                <a:ea typeface="+mn-ea"/>
+                <a:cs typeface="+mn-cs"/>
+              </a:defRPr>
+            </a:lvl7pPr>
+            <a:lvl8pPr marL="3429000" indent="-228600" algn="l" defTabSz="914400" rtl="0" eaLnBrk="1" latinLnBrk="0" hangingPunct="1">
+              <a:lnSpc>
+                <a:spcPct val="90000"/>
+              </a:lnSpc>
+              <a:spcBef>
+                <a:spcPts val="500"/>
+              </a:spcBef>
+              <a:buFont typeface="Arial" panose="020B0604020202020204" pitchFamily="34" charset="0"/>
+              <a:buChar char="•"/>
+              <a:defRPr sz="1800" kern="1200">
+                <a:solidFill>
+                  <a:schemeClr val="tx1"/>
+                </a:solidFill>
+                <a:latin typeface="+mn-lt"/>
+                <a:ea typeface="+mn-ea"/>
+                <a:cs typeface="+mn-cs"/>
+              </a:defRPr>
+            </a:lvl8pPr>
+            <a:lvl9pPr marL="3886200" indent="-228600" algn="l" defTabSz="914400" rtl="0" eaLnBrk="1" latinLnBrk="0" hangingPunct="1">
+              <a:lnSpc>
+                <a:spcPct val="90000"/>
+              </a:lnSpc>
+              <a:spcBef>
+                <a:spcPts val="500"/>
+              </a:spcBef>
+              <a:buFont typeface="Arial" panose="020B0604020202020204" pitchFamily="34" charset="0"/>
+              <a:buChar char="•"/>
+              <a:defRPr sz="1800" kern="1200">
+                <a:solidFill>
+                  <a:schemeClr val="tx1"/>
+                </a:solidFill>
+                <a:latin typeface="+mn-lt"/>
+                <a:ea typeface="+mn-ea"/>
+                <a:cs typeface="+mn-cs"/>
+              </a:defRPr>
+            </a:lvl9pPr>
+          </a:lstStyle>
+          <a:p>
+            <a:pPr marL="0" indent="0">
+              <a:buFont typeface="Arial" panose="020B0604020202020204" pitchFamily="34" charset="0"/>
+              <a:buNone/>
+            </a:pPr>
+            <a:r>
+              <a:rPr lang="en-US" altLang="zh-CN" sz="1400" dirty="0" smtClean="0">
+                <a:solidFill>
+                  <a:schemeClr val="bg2">
+                    <a:lumMod val="10000"/>
+                  </a:schemeClr>
+                </a:solidFill>
+                <a:latin typeface="方正清刻本悦宋简体" panose="02000000000000000000" pitchFamily="2" charset="-122"/>
+                <a:ea typeface="方正清刻本悦宋简体" panose="02000000000000000000" pitchFamily="2" charset="-122"/>
+              </a:rPr>
+              <a:t>2015</a:t>
+            </a:r>
+            <a:r>
+              <a:rPr lang="zh-CN" altLang="en-US" sz="1400" dirty="0" smtClean="0">
+                <a:solidFill>
+                  <a:schemeClr val="bg2">
+                    <a:lumMod val="10000"/>
+                  </a:schemeClr>
+                </a:solidFill>
+                <a:latin typeface="方正清刻本悦宋简体" panose="02000000000000000000" pitchFamily="2" charset="-122"/>
+                <a:ea typeface="方正清刻本悦宋简体" panose="02000000000000000000" pitchFamily="2" charset="-122"/>
+              </a:rPr>
+              <a:t>年 媒体与认知 实验一</a:t>
+            </a:r>
+            <a:endParaRPr lang="zh-CN" altLang="en-US" sz="1400" dirty="0">
+              <a:solidFill>
+                <a:schemeClr val="bg2">
+                  <a:lumMod val="75000"/>
+                </a:schemeClr>
+              </a:solidFill>
+              <a:latin typeface="方正清刻本悦宋简体" panose="02000000000000000000" pitchFamily="2" charset="-122"/>
+              <a:ea typeface="方正清刻本悦宋简体" panose="02000000000000000000" pitchFamily="2" charset="-122"/>
+            </a:endParaRPr>
           </a:p>
         </p:txBody>
       </p:sp>
     </p:spTree>
     <p:extLst>
       <p:ext uri="{BB962C8B-B14F-4D97-AF65-F5344CB8AC3E}">
-        <p14:creationId xmlns:p14="http://schemas.microsoft.com/office/powerpoint/2010/main" val="685496657"/>
+        <p14:creationId xmlns:p14="http://schemas.microsoft.com/office/powerpoint/2010/main" val="1028699151"/>
       </p:ext>
     </p:extLst>
   </p:cSld>
   <p:clrMapOvr>
     <a:masterClrMapping/>
   </p:clrMapOvr>
+  <mc:AlternateContent xmlns:mc="http://schemas.openxmlformats.org/markup-compatibility/2006" xmlns:p14="http://schemas.microsoft.com/office/powerpoint/2010/main">
+    <mc:Choice Requires="p14">
+      <p:transition spd="slow" p14:dur="1600">
+        <p14:conveyor dir="l"/>
+      </p:transition>
+    </mc:Choice>
+    <mc:Fallback xmlns="">
+      <p:transition spd="slow">
+        <p:fade/>
+      </p:transition>
+    </mc:Fallback>
+  </mc:AlternateContent>
   <p:timing>
     <p:tnLst>
       <p:par>
@@ -3054,51 +4105,78 @@
             <a:spLocks noGrp="1"/>
           </p:cNvSpPr>
           <p:nvPr>
-            <p:ph type="title"/>
-          </p:nvPr>
-        </p:nvSpPr>
-        <p:spPr/>
+            <p:ph type="ctrTitle"/>
+          </p:nvPr>
+        </p:nvSpPr>
+        <p:spPr>
+          <a:xfrm>
+            <a:off x="1443990" y="1396683"/>
+            <a:ext cx="9144000" cy="2387600"/>
+          </a:xfrm>
+        </p:spPr>
         <p:txBody>
           <a:bodyPr/>
           <a:lstStyle/>
           <a:p>
             <a:r>
-              <a:rPr lang="en-US" altLang="zh-CN" dirty="0" smtClean="0"/>
-              <a:t>1</a:t>
-            </a:r>
-            <a:endParaRPr lang="zh-CN" altLang="en-US" dirty="0"/>
-          </a:p>
-        </p:txBody>
-      </p:sp>
-      <p:sp>
-        <p:nvSpPr>
-          <p:cNvPr id="3" name="内容占位符 2"/>
-          <p:cNvSpPr>
-            <a:spLocks noGrp="1"/>
-          </p:cNvSpPr>
-          <p:nvPr>
-            <p:ph idx="1"/>
-          </p:nvPr>
-        </p:nvSpPr>
-        <p:spPr/>
-        <p:txBody>
-          <a:bodyPr/>
-          <a:lstStyle/>
-          <a:p>
-            <a:endParaRPr lang="zh-CN" altLang="en-US"/>
+              <a:rPr lang="zh-CN" altLang="en-US" dirty="0" smtClean="0">
+                <a:solidFill>
+                  <a:schemeClr val="tx1">
+                    <a:lumMod val="85000"/>
+                    <a:lumOff val="15000"/>
+                  </a:schemeClr>
+                </a:solidFill>
+                <a:latin typeface="方正清刻本悦宋简体" panose="02000000000000000000" pitchFamily="2" charset="-122"/>
+                <a:ea typeface="方正清刻本悦宋简体" panose="02000000000000000000" pitchFamily="2" charset="-122"/>
+              </a:rPr>
+              <a:t>挥一挥手 </a:t>
+            </a:r>
+            <a:r>
+              <a:rPr lang="zh-CN" altLang="en-US" dirty="0" smtClean="0">
+                <a:solidFill>
+                  <a:schemeClr val="bg1">
+                    <a:lumMod val="65000"/>
+                  </a:schemeClr>
+                </a:solidFill>
+                <a:latin typeface="方正清刻本悦宋简体" panose="02000000000000000000" pitchFamily="2" charset="-122"/>
+                <a:ea typeface="方正清刻本悦宋简体" panose="02000000000000000000" pitchFamily="2" charset="-122"/>
+              </a:rPr>
+              <a:t>能做什么</a:t>
+            </a:r>
+            <a:endParaRPr lang="zh-CN" altLang="en-US" dirty="0">
+              <a:solidFill>
+                <a:schemeClr val="bg1">
+                  <a:lumMod val="65000"/>
+                </a:schemeClr>
+              </a:solidFill>
+              <a:latin typeface="方正清刻本悦宋简体" panose="02000000000000000000" pitchFamily="2" charset="-122"/>
+              <a:ea typeface="方正清刻本悦宋简体" panose="02000000000000000000" pitchFamily="2" charset="-122"/>
+            </a:endParaRPr>
           </a:p>
         </p:txBody>
       </p:sp>
     </p:spTree>
     <p:extLst>
       <p:ext uri="{BB962C8B-B14F-4D97-AF65-F5344CB8AC3E}">
-        <p14:creationId xmlns:p14="http://schemas.microsoft.com/office/powerpoint/2010/main" val="771906268"/>
+        <p14:creationId xmlns:p14="http://schemas.microsoft.com/office/powerpoint/2010/main" val="685496657"/>
       </p:ext>
     </p:extLst>
   </p:cSld>
   <p:clrMapOvr>
     <a:masterClrMapping/>
   </p:clrMapOvr>
+  <mc:AlternateContent xmlns:mc="http://schemas.openxmlformats.org/markup-compatibility/2006" xmlns:p14="http://schemas.microsoft.com/office/powerpoint/2010/main">
+    <mc:Choice Requires="p14">
+      <p:transition spd="slow" p14:dur="1600">
+        <p14:conveyor dir="l"/>
+      </p:transition>
+    </mc:Choice>
+    <mc:Fallback xmlns="">
+      <p:transition spd="slow">
+        <p:fade/>
+      </p:transition>
+    </mc:Fallback>
+  </mc:AlternateContent>
   <p:timing>
     <p:tnLst>
       <p:par>
@@ -3112,6 +4190,21 @@
 <file path=ppt/slides/slide3.xml><?xml version="1.0" encoding="utf-8"?>
 <p:sld xmlns:a="http://schemas.openxmlformats.org/drawingml/2006/main" xmlns:r="http://schemas.openxmlformats.org/officeDocument/2006/relationships" xmlns:p="http://schemas.openxmlformats.org/presentationml/2006/main">
   <p:cSld>
+    <p:bg>
+      <p:bgPr>
+        <a:blipFill dpi="0" rotWithShape="1">
+          <a:blip r:embed="rId2">
+            <a:alphaModFix amt="75000"/>
+            <a:lum/>
+          </a:blip>
+          <a:srcRect/>
+          <a:stretch>
+            <a:fillRect/>
+          </a:stretch>
+        </a:blipFill>
+        <a:effectLst/>
+      </p:bgPr>
+    </p:bg>
     <p:spTree>
       <p:nvGrpSpPr>
         <p:cNvPr id="1" name=""/>
@@ -3128,56 +4221,514 @@
       </p:grpSpPr>
       <p:sp>
         <p:nvSpPr>
-          <p:cNvPr id="2" name="标题 1"/>
-          <p:cNvSpPr>
-            <a:spLocks noGrp="1"/>
-          </p:cNvSpPr>
-          <p:nvPr>
-            <p:ph type="title"/>
-          </p:nvPr>
-        </p:nvSpPr>
-        <p:spPr/>
-        <p:txBody>
-          <a:bodyPr/>
-          <a:lstStyle/>
-          <a:p>
-            <a:r>
-              <a:rPr lang="en-US" altLang="zh-CN" dirty="0" smtClean="0"/>
-              <a:t>2</a:t>
-            </a:r>
-            <a:endParaRPr lang="zh-CN" altLang="en-US" dirty="0"/>
-          </a:p>
-        </p:txBody>
-      </p:sp>
-      <p:sp>
-        <p:nvSpPr>
           <p:cNvPr id="3" name="内容占位符 2"/>
-          <p:cNvSpPr>
-            <a:spLocks noGrp="1"/>
-          </p:cNvSpPr>
-          <p:nvPr>
-            <p:ph idx="1"/>
-          </p:nvPr>
-        </p:nvSpPr>
-        <p:spPr/>
-        <p:txBody>
-          <a:bodyPr/>
-          <a:lstStyle/>
-          <a:p>
-            <a:endParaRPr lang="zh-CN" altLang="en-US"/>
+          <p:cNvSpPr txBox="1">
+            <a:spLocks/>
+          </p:cNvSpPr>
+          <p:nvPr/>
+        </p:nvSpPr>
+        <p:spPr>
+          <a:xfrm>
+            <a:off x="1108710" y="3345815"/>
+            <a:ext cx="10527030" cy="506095"/>
+          </a:xfrm>
+          <a:prstGeom prst="rect">
+            <a:avLst/>
+          </a:prstGeom>
+        </p:spPr>
+        <p:txBody>
+          <a:bodyPr>
+            <a:noAutofit/>
+          </a:bodyPr>
+          <a:lstStyle>
+            <a:lvl1pPr marL="228600" indent="-228600" algn="l" defTabSz="914400" rtl="0" eaLnBrk="1" latinLnBrk="0" hangingPunct="1">
+              <a:lnSpc>
+                <a:spcPct val="90000"/>
+              </a:lnSpc>
+              <a:spcBef>
+                <a:spcPts val="1000"/>
+              </a:spcBef>
+              <a:buFont typeface="Arial" panose="020B0604020202020204" pitchFamily="34" charset="0"/>
+              <a:buChar char="•"/>
+              <a:defRPr sz="2800" kern="1200">
+                <a:solidFill>
+                  <a:schemeClr val="tx1"/>
+                </a:solidFill>
+                <a:latin typeface="+mn-lt"/>
+                <a:ea typeface="+mn-ea"/>
+                <a:cs typeface="+mn-cs"/>
+              </a:defRPr>
+            </a:lvl1pPr>
+            <a:lvl2pPr marL="685800" indent="-228600" algn="l" defTabSz="914400" rtl="0" eaLnBrk="1" latinLnBrk="0" hangingPunct="1">
+              <a:lnSpc>
+                <a:spcPct val="90000"/>
+              </a:lnSpc>
+              <a:spcBef>
+                <a:spcPts val="500"/>
+              </a:spcBef>
+              <a:buFont typeface="Arial" panose="020B0604020202020204" pitchFamily="34" charset="0"/>
+              <a:buChar char="•"/>
+              <a:defRPr sz="2400" kern="1200">
+                <a:solidFill>
+                  <a:schemeClr val="tx1"/>
+                </a:solidFill>
+                <a:latin typeface="+mn-lt"/>
+                <a:ea typeface="+mn-ea"/>
+                <a:cs typeface="+mn-cs"/>
+              </a:defRPr>
+            </a:lvl2pPr>
+            <a:lvl3pPr marL="1143000" indent="-228600" algn="l" defTabSz="914400" rtl="0" eaLnBrk="1" latinLnBrk="0" hangingPunct="1">
+              <a:lnSpc>
+                <a:spcPct val="90000"/>
+              </a:lnSpc>
+              <a:spcBef>
+                <a:spcPts val="500"/>
+              </a:spcBef>
+              <a:buFont typeface="Arial" panose="020B0604020202020204" pitchFamily="34" charset="0"/>
+              <a:buChar char="•"/>
+              <a:defRPr sz="2000" kern="1200">
+                <a:solidFill>
+                  <a:schemeClr val="tx1"/>
+                </a:solidFill>
+                <a:latin typeface="+mn-lt"/>
+                <a:ea typeface="+mn-ea"/>
+                <a:cs typeface="+mn-cs"/>
+              </a:defRPr>
+            </a:lvl3pPr>
+            <a:lvl4pPr marL="1600200" indent="-228600" algn="l" defTabSz="914400" rtl="0" eaLnBrk="1" latinLnBrk="0" hangingPunct="1">
+              <a:lnSpc>
+                <a:spcPct val="90000"/>
+              </a:lnSpc>
+              <a:spcBef>
+                <a:spcPts val="500"/>
+              </a:spcBef>
+              <a:buFont typeface="Arial" panose="020B0604020202020204" pitchFamily="34" charset="0"/>
+              <a:buChar char="•"/>
+              <a:defRPr sz="1800" kern="1200">
+                <a:solidFill>
+                  <a:schemeClr val="tx1"/>
+                </a:solidFill>
+                <a:latin typeface="+mn-lt"/>
+                <a:ea typeface="+mn-ea"/>
+                <a:cs typeface="+mn-cs"/>
+              </a:defRPr>
+            </a:lvl4pPr>
+            <a:lvl5pPr marL="2057400" indent="-228600" algn="l" defTabSz="914400" rtl="0" eaLnBrk="1" latinLnBrk="0" hangingPunct="1">
+              <a:lnSpc>
+                <a:spcPct val="90000"/>
+              </a:lnSpc>
+              <a:spcBef>
+                <a:spcPts val="500"/>
+              </a:spcBef>
+              <a:buFont typeface="Arial" panose="020B0604020202020204" pitchFamily="34" charset="0"/>
+              <a:buChar char="•"/>
+              <a:defRPr sz="1800" kern="1200">
+                <a:solidFill>
+                  <a:schemeClr val="tx1"/>
+                </a:solidFill>
+                <a:latin typeface="+mn-lt"/>
+                <a:ea typeface="+mn-ea"/>
+                <a:cs typeface="+mn-cs"/>
+              </a:defRPr>
+            </a:lvl5pPr>
+            <a:lvl6pPr marL="2514600" indent="-228600" algn="l" defTabSz="914400" rtl="0" eaLnBrk="1" latinLnBrk="0" hangingPunct="1">
+              <a:lnSpc>
+                <a:spcPct val="90000"/>
+              </a:lnSpc>
+              <a:spcBef>
+                <a:spcPts val="500"/>
+              </a:spcBef>
+              <a:buFont typeface="Arial" panose="020B0604020202020204" pitchFamily="34" charset="0"/>
+              <a:buChar char="•"/>
+              <a:defRPr sz="1800" kern="1200">
+                <a:solidFill>
+                  <a:schemeClr val="tx1"/>
+                </a:solidFill>
+                <a:latin typeface="+mn-lt"/>
+                <a:ea typeface="+mn-ea"/>
+                <a:cs typeface="+mn-cs"/>
+              </a:defRPr>
+            </a:lvl6pPr>
+            <a:lvl7pPr marL="2971800" indent="-228600" algn="l" defTabSz="914400" rtl="0" eaLnBrk="1" latinLnBrk="0" hangingPunct="1">
+              <a:lnSpc>
+                <a:spcPct val="90000"/>
+              </a:lnSpc>
+              <a:spcBef>
+                <a:spcPts val="500"/>
+              </a:spcBef>
+              <a:buFont typeface="Arial" panose="020B0604020202020204" pitchFamily="34" charset="0"/>
+              <a:buChar char="•"/>
+              <a:defRPr sz="1800" kern="1200">
+                <a:solidFill>
+                  <a:schemeClr val="tx1"/>
+                </a:solidFill>
+                <a:latin typeface="+mn-lt"/>
+                <a:ea typeface="+mn-ea"/>
+                <a:cs typeface="+mn-cs"/>
+              </a:defRPr>
+            </a:lvl7pPr>
+            <a:lvl8pPr marL="3429000" indent="-228600" algn="l" defTabSz="914400" rtl="0" eaLnBrk="1" latinLnBrk="0" hangingPunct="1">
+              <a:lnSpc>
+                <a:spcPct val="90000"/>
+              </a:lnSpc>
+              <a:spcBef>
+                <a:spcPts val="500"/>
+              </a:spcBef>
+              <a:buFont typeface="Arial" panose="020B0604020202020204" pitchFamily="34" charset="0"/>
+              <a:buChar char="•"/>
+              <a:defRPr sz="1800" kern="1200">
+                <a:solidFill>
+                  <a:schemeClr val="tx1"/>
+                </a:solidFill>
+                <a:latin typeface="+mn-lt"/>
+                <a:ea typeface="+mn-ea"/>
+                <a:cs typeface="+mn-cs"/>
+              </a:defRPr>
+            </a:lvl8pPr>
+            <a:lvl9pPr marL="3886200" indent="-228600" algn="l" defTabSz="914400" rtl="0" eaLnBrk="1" latinLnBrk="0" hangingPunct="1">
+              <a:lnSpc>
+                <a:spcPct val="90000"/>
+              </a:lnSpc>
+              <a:spcBef>
+                <a:spcPts val="500"/>
+              </a:spcBef>
+              <a:buFont typeface="Arial" panose="020B0604020202020204" pitchFamily="34" charset="0"/>
+              <a:buChar char="•"/>
+              <a:defRPr sz="1800" kern="1200">
+                <a:solidFill>
+                  <a:schemeClr val="tx1"/>
+                </a:solidFill>
+                <a:latin typeface="+mn-lt"/>
+                <a:ea typeface="+mn-ea"/>
+                <a:cs typeface="+mn-cs"/>
+              </a:defRPr>
+            </a:lvl9pPr>
+          </a:lstStyle>
+          <a:p>
+            <a:pPr marL="0" indent="0">
+              <a:buFont typeface="Arial" panose="020B0604020202020204" pitchFamily="34" charset="0"/>
+              <a:buNone/>
+            </a:pPr>
+            <a:r>
+              <a:rPr lang="zh-CN" altLang="en-US" sz="4400" dirty="0" smtClean="0">
+                <a:solidFill>
+                  <a:schemeClr val="bg2">
+                    <a:lumMod val="10000"/>
+                  </a:schemeClr>
+                </a:solidFill>
+                <a:latin typeface="方正清刻本悦宋简体" panose="02000000000000000000" pitchFamily="2" charset="-122"/>
+                <a:ea typeface="方正清刻本悦宋简体" panose="02000000000000000000" pitchFamily="2" charset="-122"/>
+              </a:rPr>
+              <a:t>领</a:t>
+            </a:r>
+            <a:r>
+              <a:rPr lang="zh-CN" altLang="en-US" sz="4400" dirty="0" smtClean="0">
+                <a:solidFill>
+                  <a:schemeClr val="bg2">
+                    <a:lumMod val="25000"/>
+                  </a:schemeClr>
+                </a:solidFill>
+                <a:latin typeface="方正清刻本悦宋简体" panose="02000000000000000000" pitchFamily="2" charset="-122"/>
+                <a:ea typeface="方正清刻本悦宋简体" panose="02000000000000000000" pitchFamily="2" charset="-122"/>
+              </a:rPr>
+              <a:t>                 略                  </a:t>
+            </a:r>
+            <a:r>
+              <a:rPr lang="zh-CN" altLang="en-US" sz="4400" dirty="0" smtClean="0">
+                <a:solidFill>
+                  <a:schemeClr val="bg2">
+                    <a:lumMod val="50000"/>
+                  </a:schemeClr>
+                </a:solidFill>
+                <a:latin typeface="方正清刻本悦宋简体" panose="02000000000000000000" pitchFamily="2" charset="-122"/>
+                <a:ea typeface="方正清刻本悦宋简体" panose="02000000000000000000" pitchFamily="2" charset="-122"/>
+              </a:rPr>
+              <a:t>四</a:t>
+            </a:r>
+            <a:r>
+              <a:rPr lang="zh-CN" altLang="en-US" sz="4400" dirty="0" smtClean="0">
+                <a:solidFill>
+                  <a:schemeClr val="bg2">
+                    <a:lumMod val="25000"/>
+                  </a:schemeClr>
+                </a:solidFill>
+                <a:latin typeface="方正清刻本悦宋简体" panose="02000000000000000000" pitchFamily="2" charset="-122"/>
+                <a:ea typeface="方正清刻本悦宋简体" panose="02000000000000000000" pitchFamily="2" charset="-122"/>
+              </a:rPr>
+              <a:t>                    </a:t>
+            </a:r>
+            <a:r>
+              <a:rPr lang="zh-CN" altLang="en-US" sz="4400" dirty="0" smtClean="0">
+                <a:solidFill>
+                  <a:schemeClr val="bg2">
+                    <a:lumMod val="75000"/>
+                  </a:schemeClr>
+                </a:solidFill>
+                <a:latin typeface="方正清刻本悦宋简体" panose="02000000000000000000" pitchFamily="2" charset="-122"/>
+                <a:ea typeface="方正清刻本悦宋简体" panose="02000000000000000000" pitchFamily="2" charset="-122"/>
+              </a:rPr>
+              <a:t>季</a:t>
+            </a:r>
+            <a:endParaRPr lang="zh-CN" altLang="en-US" sz="4400" dirty="0">
+              <a:solidFill>
+                <a:schemeClr val="bg2">
+                  <a:lumMod val="75000"/>
+                </a:schemeClr>
+              </a:solidFill>
+              <a:latin typeface="方正清刻本悦宋简体" panose="02000000000000000000" pitchFamily="2" charset="-122"/>
+              <a:ea typeface="方正清刻本悦宋简体" panose="02000000000000000000" pitchFamily="2" charset="-122"/>
+            </a:endParaRPr>
+          </a:p>
+        </p:txBody>
+      </p:sp>
+      <p:sp>
+        <p:nvSpPr>
+          <p:cNvPr id="4" name="内容占位符 2"/>
+          <p:cNvSpPr txBox="1">
+            <a:spLocks/>
+          </p:cNvSpPr>
+          <p:nvPr/>
+        </p:nvSpPr>
+        <p:spPr>
+          <a:xfrm>
+            <a:off x="5006340" y="1760855"/>
+            <a:ext cx="1908810" cy="506095"/>
+          </a:xfrm>
+          <a:prstGeom prst="rect">
+            <a:avLst/>
+          </a:prstGeom>
+        </p:spPr>
+        <p:txBody>
+          <a:bodyPr>
+            <a:noAutofit/>
+          </a:bodyPr>
+          <a:lstStyle>
+            <a:lvl1pPr marL="228600" indent="-228600" algn="l" defTabSz="914400" rtl="0" eaLnBrk="1" latinLnBrk="0" hangingPunct="1">
+              <a:lnSpc>
+                <a:spcPct val="90000"/>
+              </a:lnSpc>
+              <a:spcBef>
+                <a:spcPts val="1000"/>
+              </a:spcBef>
+              <a:buFont typeface="Arial" panose="020B0604020202020204" pitchFamily="34" charset="0"/>
+              <a:buChar char="•"/>
+              <a:defRPr sz="2800" kern="1200">
+                <a:solidFill>
+                  <a:schemeClr val="tx1"/>
+                </a:solidFill>
+                <a:latin typeface="+mn-lt"/>
+                <a:ea typeface="+mn-ea"/>
+                <a:cs typeface="+mn-cs"/>
+              </a:defRPr>
+            </a:lvl1pPr>
+            <a:lvl2pPr marL="685800" indent="-228600" algn="l" defTabSz="914400" rtl="0" eaLnBrk="1" latinLnBrk="0" hangingPunct="1">
+              <a:lnSpc>
+                <a:spcPct val="90000"/>
+              </a:lnSpc>
+              <a:spcBef>
+                <a:spcPts val="500"/>
+              </a:spcBef>
+              <a:buFont typeface="Arial" panose="020B0604020202020204" pitchFamily="34" charset="0"/>
+              <a:buChar char="•"/>
+              <a:defRPr sz="2400" kern="1200">
+                <a:solidFill>
+                  <a:schemeClr val="tx1"/>
+                </a:solidFill>
+                <a:latin typeface="+mn-lt"/>
+                <a:ea typeface="+mn-ea"/>
+                <a:cs typeface="+mn-cs"/>
+              </a:defRPr>
+            </a:lvl2pPr>
+            <a:lvl3pPr marL="1143000" indent="-228600" algn="l" defTabSz="914400" rtl="0" eaLnBrk="1" latinLnBrk="0" hangingPunct="1">
+              <a:lnSpc>
+                <a:spcPct val="90000"/>
+              </a:lnSpc>
+              <a:spcBef>
+                <a:spcPts val="500"/>
+              </a:spcBef>
+              <a:buFont typeface="Arial" panose="020B0604020202020204" pitchFamily="34" charset="0"/>
+              <a:buChar char="•"/>
+              <a:defRPr sz="2000" kern="1200">
+                <a:solidFill>
+                  <a:schemeClr val="tx1"/>
+                </a:solidFill>
+                <a:latin typeface="+mn-lt"/>
+                <a:ea typeface="+mn-ea"/>
+                <a:cs typeface="+mn-cs"/>
+              </a:defRPr>
+            </a:lvl3pPr>
+            <a:lvl4pPr marL="1600200" indent="-228600" algn="l" defTabSz="914400" rtl="0" eaLnBrk="1" latinLnBrk="0" hangingPunct="1">
+              <a:lnSpc>
+                <a:spcPct val="90000"/>
+              </a:lnSpc>
+              <a:spcBef>
+                <a:spcPts val="500"/>
+              </a:spcBef>
+              <a:buFont typeface="Arial" panose="020B0604020202020204" pitchFamily="34" charset="0"/>
+              <a:buChar char="•"/>
+              <a:defRPr sz="1800" kern="1200">
+                <a:solidFill>
+                  <a:schemeClr val="tx1"/>
+                </a:solidFill>
+                <a:latin typeface="+mn-lt"/>
+                <a:ea typeface="+mn-ea"/>
+                <a:cs typeface="+mn-cs"/>
+              </a:defRPr>
+            </a:lvl4pPr>
+            <a:lvl5pPr marL="2057400" indent="-228600" algn="l" defTabSz="914400" rtl="0" eaLnBrk="1" latinLnBrk="0" hangingPunct="1">
+              <a:lnSpc>
+                <a:spcPct val="90000"/>
+              </a:lnSpc>
+              <a:spcBef>
+                <a:spcPts val="500"/>
+              </a:spcBef>
+              <a:buFont typeface="Arial" panose="020B0604020202020204" pitchFamily="34" charset="0"/>
+              <a:buChar char="•"/>
+              <a:defRPr sz="1800" kern="1200">
+                <a:solidFill>
+                  <a:schemeClr val="tx1"/>
+                </a:solidFill>
+                <a:latin typeface="+mn-lt"/>
+                <a:ea typeface="+mn-ea"/>
+                <a:cs typeface="+mn-cs"/>
+              </a:defRPr>
+            </a:lvl5pPr>
+            <a:lvl6pPr marL="2514600" indent="-228600" algn="l" defTabSz="914400" rtl="0" eaLnBrk="1" latinLnBrk="0" hangingPunct="1">
+              <a:lnSpc>
+                <a:spcPct val="90000"/>
+              </a:lnSpc>
+              <a:spcBef>
+                <a:spcPts val="500"/>
+              </a:spcBef>
+              <a:buFont typeface="Arial" panose="020B0604020202020204" pitchFamily="34" charset="0"/>
+              <a:buChar char="•"/>
+              <a:defRPr sz="1800" kern="1200">
+                <a:solidFill>
+                  <a:schemeClr val="tx1"/>
+                </a:solidFill>
+                <a:latin typeface="+mn-lt"/>
+                <a:ea typeface="+mn-ea"/>
+                <a:cs typeface="+mn-cs"/>
+              </a:defRPr>
+            </a:lvl6pPr>
+            <a:lvl7pPr marL="2971800" indent="-228600" algn="l" defTabSz="914400" rtl="0" eaLnBrk="1" latinLnBrk="0" hangingPunct="1">
+              <a:lnSpc>
+                <a:spcPct val="90000"/>
+              </a:lnSpc>
+              <a:spcBef>
+                <a:spcPts val="500"/>
+              </a:spcBef>
+              <a:buFont typeface="Arial" panose="020B0604020202020204" pitchFamily="34" charset="0"/>
+              <a:buChar char="•"/>
+              <a:defRPr sz="1800" kern="1200">
+                <a:solidFill>
+                  <a:schemeClr val="tx1"/>
+                </a:solidFill>
+                <a:latin typeface="+mn-lt"/>
+                <a:ea typeface="+mn-ea"/>
+                <a:cs typeface="+mn-cs"/>
+              </a:defRPr>
+            </a:lvl7pPr>
+            <a:lvl8pPr marL="3429000" indent="-228600" algn="l" defTabSz="914400" rtl="0" eaLnBrk="1" latinLnBrk="0" hangingPunct="1">
+              <a:lnSpc>
+                <a:spcPct val="90000"/>
+              </a:lnSpc>
+              <a:spcBef>
+                <a:spcPts val="500"/>
+              </a:spcBef>
+              <a:buFont typeface="Arial" panose="020B0604020202020204" pitchFamily="34" charset="0"/>
+              <a:buChar char="•"/>
+              <a:defRPr sz="1800" kern="1200">
+                <a:solidFill>
+                  <a:schemeClr val="tx1"/>
+                </a:solidFill>
+                <a:latin typeface="+mn-lt"/>
+                <a:ea typeface="+mn-ea"/>
+                <a:cs typeface="+mn-cs"/>
+              </a:defRPr>
+            </a:lvl8pPr>
+            <a:lvl9pPr marL="3886200" indent="-228600" algn="l" defTabSz="914400" rtl="0" eaLnBrk="1" latinLnBrk="0" hangingPunct="1">
+              <a:lnSpc>
+                <a:spcPct val="90000"/>
+              </a:lnSpc>
+              <a:spcBef>
+                <a:spcPts val="500"/>
+              </a:spcBef>
+              <a:buFont typeface="Arial" panose="020B0604020202020204" pitchFamily="34" charset="0"/>
+              <a:buChar char="•"/>
+              <a:defRPr sz="1800" kern="1200">
+                <a:solidFill>
+                  <a:schemeClr val="tx1"/>
+                </a:solidFill>
+                <a:latin typeface="+mn-lt"/>
+                <a:ea typeface="+mn-ea"/>
+                <a:cs typeface="+mn-cs"/>
+              </a:defRPr>
+            </a:lvl9pPr>
+          </a:lstStyle>
+          <a:p>
+            <a:pPr marL="0" indent="0">
+              <a:buFont typeface="Arial" panose="020B0604020202020204" pitchFamily="34" charset="0"/>
+              <a:buNone/>
+            </a:pPr>
+            <a:r>
+              <a:rPr lang="zh-CN" altLang="en-US" sz="4400" dirty="0" smtClean="0">
+                <a:solidFill>
+                  <a:schemeClr val="bg2">
+                    <a:lumMod val="10000"/>
+                  </a:schemeClr>
+                </a:solidFill>
+                <a:latin typeface="方正清刻本悦宋简体" panose="02000000000000000000" pitchFamily="2" charset="-122"/>
+                <a:ea typeface="方正清刻本悦宋简体" panose="02000000000000000000" pitchFamily="2" charset="-122"/>
+              </a:rPr>
+              <a:t>左   </a:t>
+            </a:r>
+            <a:r>
+              <a:rPr lang="zh-CN" altLang="en-US" sz="4400" dirty="0" smtClean="0">
+                <a:solidFill>
+                  <a:schemeClr val="bg2">
+                    <a:lumMod val="75000"/>
+                  </a:schemeClr>
+                </a:solidFill>
+                <a:latin typeface="方正清刻本悦宋简体" panose="02000000000000000000" pitchFamily="2" charset="-122"/>
+                <a:ea typeface="方正清刻本悦宋简体" panose="02000000000000000000" pitchFamily="2" charset="-122"/>
+              </a:rPr>
+              <a:t>手</a:t>
+            </a:r>
+            <a:endParaRPr lang="zh-CN" altLang="en-US" sz="4400" dirty="0">
+              <a:solidFill>
+                <a:schemeClr val="bg2">
+                  <a:lumMod val="75000"/>
+                </a:schemeClr>
+              </a:solidFill>
+              <a:latin typeface="方正清刻本悦宋简体" panose="02000000000000000000" pitchFamily="2" charset="-122"/>
+              <a:ea typeface="方正清刻本悦宋简体" panose="02000000000000000000" pitchFamily="2" charset="-122"/>
+            </a:endParaRPr>
           </a:p>
         </p:txBody>
       </p:sp>
     </p:spTree>
     <p:extLst>
       <p:ext uri="{BB962C8B-B14F-4D97-AF65-F5344CB8AC3E}">
-        <p14:creationId xmlns:p14="http://schemas.microsoft.com/office/powerpoint/2010/main" val="1151435070"/>
+        <p14:creationId xmlns:p14="http://schemas.microsoft.com/office/powerpoint/2010/main" val="802671089"/>
       </p:ext>
     </p:extLst>
   </p:cSld>
   <p:clrMapOvr>
     <a:masterClrMapping/>
   </p:clrMapOvr>
+  <mc:AlternateContent xmlns:mc="http://schemas.openxmlformats.org/markup-compatibility/2006" xmlns:p14="http://schemas.microsoft.com/office/powerpoint/2010/main">
+    <mc:Choice Requires="p14">
+      <p:transition spd="slow" p14:dur="1600">
+        <p14:conveyor dir="l"/>
+      </p:transition>
+    </mc:Choice>
+    <mc:Fallback xmlns="">
+      <p:transition spd="slow">
+        <p:fade/>
+      </p:transition>
+    </mc:Fallback>
+  </mc:AlternateContent>
   <p:timing>
     <p:tnLst>
       <p:par>
@@ -3191,6 +4742,20 @@
 <file path=ppt/slides/slide4.xml><?xml version="1.0" encoding="utf-8"?>
 <p:sld xmlns:a="http://schemas.openxmlformats.org/drawingml/2006/main" xmlns:r="http://schemas.openxmlformats.org/officeDocument/2006/relationships" xmlns:p="http://schemas.openxmlformats.org/presentationml/2006/main">
   <p:cSld>
+    <p:bg>
+      <p:bgPr>
+        <a:blipFill dpi="0" rotWithShape="1">
+          <a:blip r:embed="rId2">
+            <a:lum/>
+          </a:blip>
+          <a:srcRect/>
+          <a:stretch>
+            <a:fillRect/>
+          </a:stretch>
+        </a:blipFill>
+        <a:effectLst/>
+      </p:bgPr>
+    </p:bg>
     <p:spTree>
       <p:nvGrpSpPr>
         <p:cNvPr id="1" name=""/>
@@ -3207,56 +4772,75 @@
       </p:grpSpPr>
       <p:sp>
         <p:nvSpPr>
-          <p:cNvPr id="2" name="标题 1"/>
-          <p:cNvSpPr>
-            <a:spLocks noGrp="1"/>
-          </p:cNvSpPr>
-          <p:nvPr>
-            <p:ph type="title"/>
-          </p:nvPr>
-        </p:nvSpPr>
-        <p:spPr/>
-        <p:txBody>
-          <a:bodyPr/>
+          <p:cNvPr id="3" name="内容占位符 2"/>
+          <p:cNvSpPr>
+            <a:spLocks noGrp="1"/>
+          </p:cNvSpPr>
+          <p:nvPr>
+            <p:ph idx="1"/>
+          </p:nvPr>
+        </p:nvSpPr>
+        <p:spPr>
+          <a:xfrm>
+            <a:off x="5806440" y="3185795"/>
+            <a:ext cx="579120" cy="506095"/>
+          </a:xfrm>
+        </p:spPr>
+        <p:txBody>
+          <a:bodyPr>
+            <a:noAutofit/>
+          </a:bodyPr>
           <a:lstStyle/>
           <a:p>
-            <a:r>
-              <a:rPr lang="en-US" altLang="zh-CN" dirty="0" smtClean="0"/>
-              <a:t>3</a:t>
-            </a:r>
-            <a:endParaRPr lang="zh-CN" altLang="en-US" dirty="0"/>
-          </a:p>
-        </p:txBody>
-      </p:sp>
-      <p:sp>
-        <p:nvSpPr>
-          <p:cNvPr id="3" name="内容占位符 2"/>
-          <p:cNvSpPr>
-            <a:spLocks noGrp="1"/>
-          </p:cNvSpPr>
-          <p:nvPr>
-            <p:ph idx="1"/>
-          </p:nvPr>
-        </p:nvSpPr>
-        <p:spPr/>
-        <p:txBody>
-          <a:bodyPr/>
-          <a:lstStyle/>
-          <a:p>
-            <a:endParaRPr lang="zh-CN" altLang="en-US"/>
+            <a:pPr marL="0" indent="0">
+              <a:buNone/>
+            </a:pPr>
+            <a:r>
+              <a:rPr lang="zh-CN" altLang="en-US" sz="4400" dirty="0" smtClean="0">
+                <a:solidFill>
+                  <a:schemeClr val="bg2">
+                    <a:lumMod val="25000"/>
+                  </a:schemeClr>
+                </a:solidFill>
+                <a:latin typeface="方正清刻本悦宋简体" panose="02000000000000000000" pitchFamily="2" charset="-122"/>
+                <a:ea typeface="方正清刻本悦宋简体" panose="02000000000000000000" pitchFamily="2" charset="-122"/>
+              </a:rPr>
+              <a:t>春</a:t>
+            </a:r>
+            <a:endParaRPr lang="zh-CN" altLang="en-US" sz="4400" dirty="0">
+              <a:solidFill>
+                <a:schemeClr val="bg2">
+                  <a:lumMod val="25000"/>
+                </a:schemeClr>
+              </a:solidFill>
+              <a:latin typeface="方正清刻本悦宋简体" panose="02000000000000000000" pitchFamily="2" charset="-122"/>
+              <a:ea typeface="方正清刻本悦宋简体" panose="02000000000000000000" pitchFamily="2" charset="-122"/>
+            </a:endParaRPr>
           </a:p>
         </p:txBody>
       </p:sp>
     </p:spTree>
     <p:extLst>
       <p:ext uri="{BB962C8B-B14F-4D97-AF65-F5344CB8AC3E}">
-        <p14:creationId xmlns:p14="http://schemas.microsoft.com/office/powerpoint/2010/main" val="1555017154"/>
+        <p14:creationId xmlns:p14="http://schemas.microsoft.com/office/powerpoint/2010/main" val="771906268"/>
       </p:ext>
     </p:extLst>
   </p:cSld>
   <p:clrMapOvr>
     <a:masterClrMapping/>
   </p:clrMapOvr>
+  <mc:AlternateContent xmlns:mc="http://schemas.openxmlformats.org/markup-compatibility/2006" xmlns:p14="http://schemas.microsoft.com/office/powerpoint/2010/main">
+    <mc:Choice Requires="p14">
+      <p:transition spd="slow" p14:dur="1600">
+        <p14:conveyor dir="l"/>
+      </p:transition>
+    </mc:Choice>
+    <mc:Fallback xmlns="">
+      <p:transition spd="slow">
+        <p:fade/>
+      </p:transition>
+    </mc:Fallback>
+  </mc:AlternateContent>
   <p:timing>
     <p:tnLst>
       <p:par>
@@ -3270,6 +4854,20 @@
 <file path=ppt/slides/slide5.xml><?xml version="1.0" encoding="utf-8"?>
 <p:sld xmlns:a="http://schemas.openxmlformats.org/drawingml/2006/main" xmlns:r="http://schemas.openxmlformats.org/officeDocument/2006/relationships" xmlns:p="http://schemas.openxmlformats.org/presentationml/2006/main">
   <p:cSld>
+    <p:bg>
+      <p:bgPr>
+        <a:blipFill dpi="0" rotWithShape="1">
+          <a:blip r:embed="rId2">
+            <a:lum/>
+          </a:blip>
+          <a:srcRect/>
+          <a:stretch>
+            <a:fillRect/>
+          </a:stretch>
+        </a:blipFill>
+        <a:effectLst/>
+      </p:bgPr>
+    </p:bg>
     <p:spTree>
       <p:nvGrpSpPr>
         <p:cNvPr id="1" name=""/>
@@ -3286,30 +4884,110 @@
       </p:grpSpPr>
       <p:sp>
         <p:nvSpPr>
-          <p:cNvPr id="2" name="标题 1"/>
-          <p:cNvSpPr>
-            <a:spLocks noGrp="1"/>
-          </p:cNvSpPr>
-          <p:nvPr>
-            <p:ph type="title"/>
-          </p:nvPr>
-        </p:nvSpPr>
-        <p:spPr/>
-        <p:txBody>
-          <a:bodyPr/>
+          <p:cNvPr id="4" name="内容占位符 2"/>
+          <p:cNvSpPr>
+            <a:spLocks noGrp="1"/>
+          </p:cNvSpPr>
+          <p:nvPr>
+            <p:ph idx="1"/>
+          </p:nvPr>
+        </p:nvSpPr>
+        <p:spPr>
+          <a:xfrm>
+            <a:off x="5806440" y="3185795"/>
+            <a:ext cx="579120" cy="506095"/>
+          </a:xfrm>
+        </p:spPr>
+        <p:txBody>
+          <a:bodyPr>
+            <a:noAutofit/>
+          </a:bodyPr>
           <a:lstStyle/>
           <a:p>
-            <a:r>
-              <a:rPr lang="en-US" altLang="zh-CN" dirty="0" smtClean="0"/>
-              <a:t>4</a:t>
-            </a:r>
-            <a:endParaRPr lang="zh-CN" altLang="en-US" dirty="0"/>
-          </a:p>
-        </p:txBody>
-      </p:sp>
-      <p:sp>
-        <p:nvSpPr>
-          <p:cNvPr id="3" name="内容占位符 2"/>
+            <a:pPr marL="0" indent="0">
+              <a:buNone/>
+            </a:pPr>
+            <a:r>
+              <a:rPr lang="zh-CN" altLang="en-US" sz="4400" dirty="0">
+                <a:solidFill>
+                  <a:schemeClr val="bg2">
+                    <a:lumMod val="25000"/>
+                  </a:schemeClr>
+                </a:solidFill>
+                <a:latin typeface="方正清刻本悦宋简体" panose="02000000000000000000" pitchFamily="2" charset="-122"/>
+                <a:ea typeface="方正清刻本悦宋简体" panose="02000000000000000000" pitchFamily="2" charset="-122"/>
+              </a:rPr>
+              <a:t>夏</a:t>
+            </a:r>
+          </a:p>
+        </p:txBody>
+      </p:sp>
+    </p:spTree>
+    <p:extLst>
+      <p:ext uri="{BB962C8B-B14F-4D97-AF65-F5344CB8AC3E}">
+        <p14:creationId xmlns:p14="http://schemas.microsoft.com/office/powerpoint/2010/main" val="1151435070"/>
+      </p:ext>
+    </p:extLst>
+  </p:cSld>
+  <p:clrMapOvr>
+    <a:masterClrMapping/>
+  </p:clrMapOvr>
+  <mc:AlternateContent xmlns:mc="http://schemas.openxmlformats.org/markup-compatibility/2006" xmlns:p14="http://schemas.microsoft.com/office/powerpoint/2010/main">
+    <mc:Choice Requires="p14">
+      <p:transition spd="slow" p14:dur="1600">
+        <p14:conveyor dir="l"/>
+      </p:transition>
+    </mc:Choice>
+    <mc:Fallback xmlns="">
+      <p:transition spd="slow">
+        <p:fade/>
+      </p:transition>
+    </mc:Fallback>
+  </mc:AlternateContent>
+  <p:timing>
+    <p:tnLst>
+      <p:par>
+        <p:cTn id="1" dur="indefinite" restart="never" nodeType="tmRoot"/>
+      </p:par>
+    </p:tnLst>
+  </p:timing>
+</p:sld>
+</file>
+
+<file path=ppt/slides/slide6.xml><?xml version="1.0" encoding="utf-8"?>
+<p:sld xmlns:a="http://schemas.openxmlformats.org/drawingml/2006/main" xmlns:r="http://schemas.openxmlformats.org/officeDocument/2006/relationships" xmlns:p="http://schemas.openxmlformats.org/presentationml/2006/main">
+  <p:cSld>
+    <p:bg>
+      <p:bgPr>
+        <a:blipFill dpi="0" rotWithShape="1">
+          <a:blip r:embed="rId2">
+            <a:lum/>
+          </a:blip>
+          <a:srcRect/>
+          <a:stretch>
+            <a:fillRect/>
+          </a:stretch>
+        </a:blipFill>
+        <a:effectLst/>
+      </p:bgPr>
+    </p:bg>
+    <p:spTree>
+      <p:nvGrpSpPr>
+        <p:cNvPr id="1" name=""/>
+        <p:cNvGrpSpPr/>
+        <p:nvPr/>
+      </p:nvGrpSpPr>
+      <p:grpSpPr>
+        <a:xfrm>
+          <a:off x="0" y="0"/>
+          <a:ext cx="0" cy="0"/>
+          <a:chOff x="0" y="0"/>
+          <a:chExt cx="0" cy="0"/>
+        </a:xfrm>
+      </p:grpSpPr>
+      <p:sp>
+        <p:nvSpPr>
+          <p:cNvPr id="4" name="内容占位符 2"/>
           <p:cNvSpPr>
             <a:spLocks noGrp="1"/>
           </p:cNvSpPr>
@@ -3317,12 +4995,145 @@
             <p:ph idx="1"/>
           </p:nvPr>
         </p:nvSpPr>
-        <p:spPr/>
-        <p:txBody>
-          <a:bodyPr/>
+        <p:spPr>
+          <a:xfrm>
+            <a:off x="5806440" y="3185795"/>
+            <a:ext cx="579120" cy="506095"/>
+          </a:xfrm>
+        </p:spPr>
+        <p:txBody>
+          <a:bodyPr>
+            <a:noAutofit/>
+          </a:bodyPr>
           <a:lstStyle/>
           <a:p>
-            <a:endParaRPr lang="zh-CN" altLang="en-US" dirty="0"/>
+            <a:pPr marL="0" indent="0">
+              <a:buNone/>
+            </a:pPr>
+            <a:r>
+              <a:rPr lang="zh-CN" altLang="en-US" sz="4400" dirty="0">
+                <a:solidFill>
+                  <a:schemeClr val="bg2">
+                    <a:lumMod val="25000"/>
+                  </a:schemeClr>
+                </a:solidFill>
+                <a:latin typeface="方正清刻本悦宋简体" panose="02000000000000000000" pitchFamily="2" charset="-122"/>
+                <a:ea typeface="方正清刻本悦宋简体" panose="02000000000000000000" pitchFamily="2" charset="-122"/>
+              </a:rPr>
+              <a:t>秋</a:t>
+            </a:r>
+          </a:p>
+        </p:txBody>
+      </p:sp>
+    </p:spTree>
+    <p:extLst>
+      <p:ext uri="{BB962C8B-B14F-4D97-AF65-F5344CB8AC3E}">
+        <p14:creationId xmlns:p14="http://schemas.microsoft.com/office/powerpoint/2010/main" val="1555017154"/>
+      </p:ext>
+    </p:extLst>
+  </p:cSld>
+  <p:clrMapOvr>
+    <a:masterClrMapping/>
+  </p:clrMapOvr>
+  <mc:AlternateContent xmlns:mc="http://schemas.openxmlformats.org/markup-compatibility/2006" xmlns:p14="http://schemas.microsoft.com/office/powerpoint/2010/main">
+    <mc:Choice Requires="p14">
+      <p:transition spd="slow" p14:dur="1600">
+        <p14:conveyor dir="l"/>
+      </p:transition>
+    </mc:Choice>
+    <mc:Fallback xmlns="">
+      <p:transition spd="slow">
+        <p:fade/>
+      </p:transition>
+    </mc:Fallback>
+  </mc:AlternateContent>
+  <p:timing>
+    <p:tnLst>
+      <p:par>
+        <p:cTn id="1" dur="indefinite" restart="never" nodeType="tmRoot"/>
+      </p:par>
+    </p:tnLst>
+  </p:timing>
+</p:sld>
+</file>
+
+<file path=ppt/slides/slide7.xml><?xml version="1.0" encoding="utf-8"?>
+<p:sld xmlns:a="http://schemas.openxmlformats.org/drawingml/2006/main" xmlns:r="http://schemas.openxmlformats.org/officeDocument/2006/relationships" xmlns:p="http://schemas.openxmlformats.org/presentationml/2006/main">
+  <p:cSld>
+    <p:bg>
+      <p:bgPr>
+        <a:blipFill dpi="0" rotWithShape="1">
+          <a:blip r:embed="rId2">
+            <a:lum/>
+          </a:blip>
+          <a:srcRect/>
+          <a:stretch>
+            <a:fillRect/>
+          </a:stretch>
+        </a:blipFill>
+        <a:effectLst/>
+      </p:bgPr>
+    </p:bg>
+    <p:spTree>
+      <p:nvGrpSpPr>
+        <p:cNvPr id="1" name=""/>
+        <p:cNvGrpSpPr/>
+        <p:nvPr/>
+      </p:nvGrpSpPr>
+      <p:grpSpPr>
+        <a:xfrm>
+          <a:off x="0" y="0"/>
+          <a:ext cx="0" cy="0"/>
+          <a:chOff x="0" y="0"/>
+          <a:chExt cx="0" cy="0"/>
+        </a:xfrm>
+      </p:grpSpPr>
+      <p:sp>
+        <p:nvSpPr>
+          <p:cNvPr id="5" name="内容占位符 2"/>
+          <p:cNvSpPr>
+            <a:spLocks noGrp="1"/>
+          </p:cNvSpPr>
+          <p:nvPr>
+            <p:ph idx="1"/>
+          </p:nvPr>
+        </p:nvSpPr>
+        <p:spPr>
+          <a:xfrm>
+            <a:off x="5806440" y="3185795"/>
+            <a:ext cx="579120" cy="506095"/>
+          </a:xfrm>
+        </p:spPr>
+        <p:txBody>
+          <a:bodyPr>
+            <a:noAutofit/>
+          </a:bodyPr>
+          <a:lstStyle/>
+          <a:p>
+            <a:pPr marL="0" indent="0">
+              <a:buNone/>
+            </a:pPr>
+            <a:r>
+              <a:rPr lang="zh-CN" altLang="en-US" sz="4400" dirty="0" smtClean="0">
+                <a:solidFill>
+                  <a:schemeClr val="bg2">
+                    <a:lumMod val="25000"/>
+                  </a:schemeClr>
+                </a:solidFill>
+                <a:latin typeface="方正清刻本悦宋简体" panose="02000000000000000000" pitchFamily="2" charset="-122"/>
+                <a:ea typeface="方正清刻本悦宋简体" panose="02000000000000000000" pitchFamily="2" charset="-122"/>
+              </a:rPr>
+              <a:t>冬</a:t>
+            </a:r>
+            <a:endParaRPr lang="zh-CN" altLang="en-US" sz="4400" dirty="0">
+              <a:solidFill>
+                <a:schemeClr val="bg2">
+                  <a:lumMod val="25000"/>
+                </a:schemeClr>
+              </a:solidFill>
+              <a:latin typeface="方正清刻本悦宋简体" panose="02000000000000000000" pitchFamily="2" charset="-122"/>
+              <a:ea typeface="方正清刻本悦宋简体" panose="02000000000000000000" pitchFamily="2" charset="-122"/>
+            </a:endParaRPr>
           </a:p>
         </p:txBody>
       </p:sp>
@@ -3336,6 +5147,573 @@
   <p:clrMapOvr>
     <a:masterClrMapping/>
   </p:clrMapOvr>
+  <mc:AlternateContent xmlns:mc="http://schemas.openxmlformats.org/markup-compatibility/2006" xmlns:p14="http://schemas.microsoft.com/office/powerpoint/2010/main">
+    <mc:Choice Requires="p14">
+      <p:transition spd="slow" p14:dur="1600">
+        <p14:conveyor dir="l"/>
+      </p:transition>
+    </mc:Choice>
+    <mc:Fallback xmlns="">
+      <p:transition spd="slow">
+        <p:fade/>
+      </p:transition>
+    </mc:Fallback>
+  </mc:AlternateContent>
+  <p:timing>
+    <p:tnLst>
+      <p:par>
+        <p:cTn id="1" dur="indefinite" restart="never" nodeType="tmRoot"/>
+      </p:par>
+    </p:tnLst>
+  </p:timing>
+</p:sld>
+</file>
+
+<file path=ppt/slides/slide8.xml><?xml version="1.0" encoding="utf-8"?>
+<p:sld xmlns:a="http://schemas.openxmlformats.org/drawingml/2006/main" xmlns:r="http://schemas.openxmlformats.org/officeDocument/2006/relationships" xmlns:p="http://schemas.openxmlformats.org/presentationml/2006/main">
+  <p:cSld>
+    <p:bg>
+      <p:bgPr>
+        <a:blipFill dpi="0" rotWithShape="1">
+          <a:blip r:embed="rId2">
+            <a:alphaModFix amt="75000"/>
+            <a:lum/>
+          </a:blip>
+          <a:srcRect/>
+          <a:stretch>
+            <a:fillRect/>
+          </a:stretch>
+        </a:blipFill>
+        <a:effectLst/>
+      </p:bgPr>
+    </p:bg>
+    <p:spTree>
+      <p:nvGrpSpPr>
+        <p:cNvPr id="1" name=""/>
+        <p:cNvGrpSpPr/>
+        <p:nvPr/>
+      </p:nvGrpSpPr>
+      <p:grpSpPr>
+        <a:xfrm>
+          <a:off x="0" y="0"/>
+          <a:ext cx="0" cy="0"/>
+          <a:chOff x="0" y="0"/>
+          <a:chExt cx="0" cy="0"/>
+        </a:xfrm>
+      </p:grpSpPr>
+      <p:sp>
+        <p:nvSpPr>
+          <p:cNvPr id="3" name="内容占位符 2"/>
+          <p:cNvSpPr txBox="1">
+            <a:spLocks/>
+          </p:cNvSpPr>
+          <p:nvPr/>
+        </p:nvSpPr>
+        <p:spPr>
+          <a:xfrm>
+            <a:off x="1108710" y="3345815"/>
+            <a:ext cx="10527030" cy="506095"/>
+          </a:xfrm>
+          <a:prstGeom prst="rect">
+            <a:avLst/>
+          </a:prstGeom>
+        </p:spPr>
+        <p:txBody>
+          <a:bodyPr>
+            <a:noAutofit/>
+          </a:bodyPr>
+          <a:lstStyle>
+            <a:lvl1pPr marL="228600" indent="-228600" algn="l" defTabSz="914400" rtl="0" eaLnBrk="1" latinLnBrk="0" hangingPunct="1">
+              <a:lnSpc>
+                <a:spcPct val="90000"/>
+              </a:lnSpc>
+              <a:spcBef>
+                <a:spcPts val="1000"/>
+              </a:spcBef>
+              <a:buFont typeface="Arial" panose="020B0604020202020204" pitchFamily="34" charset="0"/>
+              <a:buChar char="•"/>
+              <a:defRPr sz="2800" kern="1200">
+                <a:solidFill>
+                  <a:schemeClr val="tx1"/>
+                </a:solidFill>
+                <a:latin typeface="+mn-lt"/>
+                <a:ea typeface="+mn-ea"/>
+                <a:cs typeface="+mn-cs"/>
+              </a:defRPr>
+            </a:lvl1pPr>
+            <a:lvl2pPr marL="685800" indent="-228600" algn="l" defTabSz="914400" rtl="0" eaLnBrk="1" latinLnBrk="0" hangingPunct="1">
+              <a:lnSpc>
+                <a:spcPct val="90000"/>
+              </a:lnSpc>
+              <a:spcBef>
+                <a:spcPts val="500"/>
+              </a:spcBef>
+              <a:buFont typeface="Arial" panose="020B0604020202020204" pitchFamily="34" charset="0"/>
+              <a:buChar char="•"/>
+              <a:defRPr sz="2400" kern="1200">
+                <a:solidFill>
+                  <a:schemeClr val="tx1"/>
+                </a:solidFill>
+                <a:latin typeface="+mn-lt"/>
+                <a:ea typeface="+mn-ea"/>
+                <a:cs typeface="+mn-cs"/>
+              </a:defRPr>
+            </a:lvl2pPr>
+            <a:lvl3pPr marL="1143000" indent="-228600" algn="l" defTabSz="914400" rtl="0" eaLnBrk="1" latinLnBrk="0" hangingPunct="1">
+              <a:lnSpc>
+                <a:spcPct val="90000"/>
+              </a:lnSpc>
+              <a:spcBef>
+                <a:spcPts val="500"/>
+              </a:spcBef>
+              <a:buFont typeface="Arial" panose="020B0604020202020204" pitchFamily="34" charset="0"/>
+              <a:buChar char="•"/>
+              <a:defRPr sz="2000" kern="1200">
+                <a:solidFill>
+                  <a:schemeClr val="tx1"/>
+                </a:solidFill>
+                <a:latin typeface="+mn-lt"/>
+                <a:ea typeface="+mn-ea"/>
+                <a:cs typeface="+mn-cs"/>
+              </a:defRPr>
+            </a:lvl3pPr>
+            <a:lvl4pPr marL="1600200" indent="-228600" algn="l" defTabSz="914400" rtl="0" eaLnBrk="1" latinLnBrk="0" hangingPunct="1">
+              <a:lnSpc>
+                <a:spcPct val="90000"/>
+              </a:lnSpc>
+              <a:spcBef>
+                <a:spcPts val="500"/>
+              </a:spcBef>
+              <a:buFont typeface="Arial" panose="020B0604020202020204" pitchFamily="34" charset="0"/>
+              <a:buChar char="•"/>
+              <a:defRPr sz="1800" kern="1200">
+                <a:solidFill>
+                  <a:schemeClr val="tx1"/>
+                </a:solidFill>
+                <a:latin typeface="+mn-lt"/>
+                <a:ea typeface="+mn-ea"/>
+                <a:cs typeface="+mn-cs"/>
+              </a:defRPr>
+            </a:lvl4pPr>
+            <a:lvl5pPr marL="2057400" indent="-228600" algn="l" defTabSz="914400" rtl="0" eaLnBrk="1" latinLnBrk="0" hangingPunct="1">
+              <a:lnSpc>
+                <a:spcPct val="90000"/>
+              </a:lnSpc>
+              <a:spcBef>
+                <a:spcPts val="500"/>
+              </a:spcBef>
+              <a:buFont typeface="Arial" panose="020B0604020202020204" pitchFamily="34" charset="0"/>
+              <a:buChar char="•"/>
+              <a:defRPr sz="1800" kern="1200">
+                <a:solidFill>
+                  <a:schemeClr val="tx1"/>
+                </a:solidFill>
+                <a:latin typeface="+mn-lt"/>
+                <a:ea typeface="+mn-ea"/>
+                <a:cs typeface="+mn-cs"/>
+              </a:defRPr>
+            </a:lvl5pPr>
+            <a:lvl6pPr marL="2514600" indent="-228600" algn="l" defTabSz="914400" rtl="0" eaLnBrk="1" latinLnBrk="0" hangingPunct="1">
+              <a:lnSpc>
+                <a:spcPct val="90000"/>
+              </a:lnSpc>
+              <a:spcBef>
+                <a:spcPts val="500"/>
+              </a:spcBef>
+              <a:buFont typeface="Arial" panose="020B0604020202020204" pitchFamily="34" charset="0"/>
+              <a:buChar char="•"/>
+              <a:defRPr sz="1800" kern="1200">
+                <a:solidFill>
+                  <a:schemeClr val="tx1"/>
+                </a:solidFill>
+                <a:latin typeface="+mn-lt"/>
+                <a:ea typeface="+mn-ea"/>
+                <a:cs typeface="+mn-cs"/>
+              </a:defRPr>
+            </a:lvl6pPr>
+            <a:lvl7pPr marL="2971800" indent="-228600" algn="l" defTabSz="914400" rtl="0" eaLnBrk="1" latinLnBrk="0" hangingPunct="1">
+              <a:lnSpc>
+                <a:spcPct val="90000"/>
+              </a:lnSpc>
+              <a:spcBef>
+                <a:spcPts val="500"/>
+              </a:spcBef>
+              <a:buFont typeface="Arial" panose="020B0604020202020204" pitchFamily="34" charset="0"/>
+              <a:buChar char="•"/>
+              <a:defRPr sz="1800" kern="1200">
+                <a:solidFill>
+                  <a:schemeClr val="tx1"/>
+                </a:solidFill>
+                <a:latin typeface="+mn-lt"/>
+                <a:ea typeface="+mn-ea"/>
+                <a:cs typeface="+mn-cs"/>
+              </a:defRPr>
+            </a:lvl7pPr>
+            <a:lvl8pPr marL="3429000" indent="-228600" algn="l" defTabSz="914400" rtl="0" eaLnBrk="1" latinLnBrk="0" hangingPunct="1">
+              <a:lnSpc>
+                <a:spcPct val="90000"/>
+              </a:lnSpc>
+              <a:spcBef>
+                <a:spcPts val="500"/>
+              </a:spcBef>
+              <a:buFont typeface="Arial" panose="020B0604020202020204" pitchFamily="34" charset="0"/>
+              <a:buChar char="•"/>
+              <a:defRPr sz="1800" kern="1200">
+                <a:solidFill>
+                  <a:schemeClr val="tx1"/>
+                </a:solidFill>
+                <a:latin typeface="+mn-lt"/>
+                <a:ea typeface="+mn-ea"/>
+                <a:cs typeface="+mn-cs"/>
+              </a:defRPr>
+            </a:lvl8pPr>
+            <a:lvl9pPr marL="3886200" indent="-228600" algn="l" defTabSz="914400" rtl="0" eaLnBrk="1" latinLnBrk="0" hangingPunct="1">
+              <a:lnSpc>
+                <a:spcPct val="90000"/>
+              </a:lnSpc>
+              <a:spcBef>
+                <a:spcPts val="500"/>
+              </a:spcBef>
+              <a:buFont typeface="Arial" panose="020B0604020202020204" pitchFamily="34" charset="0"/>
+              <a:buChar char="•"/>
+              <a:defRPr sz="1800" kern="1200">
+                <a:solidFill>
+                  <a:schemeClr val="tx1"/>
+                </a:solidFill>
+                <a:latin typeface="+mn-lt"/>
+                <a:ea typeface="+mn-ea"/>
+                <a:cs typeface="+mn-cs"/>
+              </a:defRPr>
+            </a:lvl9pPr>
+          </a:lstStyle>
+          <a:p>
+            <a:pPr marL="0" indent="0">
+              <a:buFont typeface="Arial" panose="020B0604020202020204" pitchFamily="34" charset="0"/>
+              <a:buNone/>
+            </a:pPr>
+            <a:r>
+              <a:rPr lang="zh-CN" altLang="en-US" sz="4400" dirty="0">
+                <a:solidFill>
+                  <a:schemeClr val="bg2">
+                    <a:lumMod val="10000"/>
+                  </a:schemeClr>
+                </a:solidFill>
+                <a:latin typeface="方正清刻本悦宋简体" panose="02000000000000000000" pitchFamily="2" charset="-122"/>
+                <a:ea typeface="方正清刻本悦宋简体" panose="02000000000000000000" pitchFamily="2" charset="-122"/>
+              </a:rPr>
+              <a:t>四</a:t>
+            </a:r>
+            <a:r>
+              <a:rPr lang="zh-CN" altLang="en-US" sz="4400" dirty="0" smtClean="0">
+                <a:solidFill>
+                  <a:schemeClr val="bg2">
+                    <a:lumMod val="25000"/>
+                  </a:schemeClr>
+                </a:solidFill>
+                <a:latin typeface="方正清刻本悦宋简体" panose="02000000000000000000" pitchFamily="2" charset="-122"/>
+                <a:ea typeface="方正清刻本悦宋简体" panose="02000000000000000000" pitchFamily="2" charset="-122"/>
+              </a:rPr>
+              <a:t>                 季                  </a:t>
+            </a:r>
+            <a:r>
+              <a:rPr lang="zh-CN" altLang="en-US" sz="4400" dirty="0">
+                <a:solidFill>
+                  <a:schemeClr val="bg2">
+                    <a:lumMod val="50000"/>
+                  </a:schemeClr>
+                </a:solidFill>
+                <a:latin typeface="方正清刻本悦宋简体" panose="02000000000000000000" pitchFamily="2" charset="-122"/>
+                <a:ea typeface="方正清刻本悦宋简体" panose="02000000000000000000" pitchFamily="2" charset="-122"/>
+              </a:rPr>
+              <a:t>倒</a:t>
+            </a:r>
+            <a:r>
+              <a:rPr lang="zh-CN" altLang="en-US" sz="4400" dirty="0" smtClean="0">
+                <a:solidFill>
+                  <a:schemeClr val="bg2">
+                    <a:lumMod val="25000"/>
+                  </a:schemeClr>
+                </a:solidFill>
+                <a:latin typeface="方正清刻本悦宋简体" panose="02000000000000000000" pitchFamily="2" charset="-122"/>
+                <a:ea typeface="方正清刻本悦宋简体" panose="02000000000000000000" pitchFamily="2" charset="-122"/>
+              </a:rPr>
+              <a:t>                    </a:t>
+            </a:r>
+            <a:r>
+              <a:rPr lang="zh-CN" altLang="en-US" sz="4400" dirty="0">
+                <a:solidFill>
+                  <a:schemeClr val="bg2">
+                    <a:lumMod val="75000"/>
+                  </a:schemeClr>
+                </a:solidFill>
+                <a:latin typeface="方正清刻本悦宋简体" panose="02000000000000000000" pitchFamily="2" charset="-122"/>
+                <a:ea typeface="方正清刻本悦宋简体" panose="02000000000000000000" pitchFamily="2" charset="-122"/>
+              </a:rPr>
+              <a:t>流</a:t>
+            </a:r>
+          </a:p>
+        </p:txBody>
+      </p:sp>
+      <p:sp>
+        <p:nvSpPr>
+          <p:cNvPr id="4" name="内容占位符 2"/>
+          <p:cNvSpPr txBox="1">
+            <a:spLocks/>
+          </p:cNvSpPr>
+          <p:nvPr/>
+        </p:nvSpPr>
+        <p:spPr>
+          <a:xfrm>
+            <a:off x="5040630" y="1760855"/>
+            <a:ext cx="1908810" cy="506095"/>
+          </a:xfrm>
+          <a:prstGeom prst="rect">
+            <a:avLst/>
+          </a:prstGeom>
+        </p:spPr>
+        <p:txBody>
+          <a:bodyPr>
+            <a:noAutofit/>
+          </a:bodyPr>
+          <a:lstStyle>
+            <a:lvl1pPr marL="228600" indent="-228600" algn="l" defTabSz="914400" rtl="0" eaLnBrk="1" latinLnBrk="0" hangingPunct="1">
+              <a:lnSpc>
+                <a:spcPct val="90000"/>
+              </a:lnSpc>
+              <a:spcBef>
+                <a:spcPts val="1000"/>
+              </a:spcBef>
+              <a:buFont typeface="Arial" panose="020B0604020202020204" pitchFamily="34" charset="0"/>
+              <a:buChar char="•"/>
+              <a:defRPr sz="2800" kern="1200">
+                <a:solidFill>
+                  <a:schemeClr val="tx1"/>
+                </a:solidFill>
+                <a:latin typeface="+mn-lt"/>
+                <a:ea typeface="+mn-ea"/>
+                <a:cs typeface="+mn-cs"/>
+              </a:defRPr>
+            </a:lvl1pPr>
+            <a:lvl2pPr marL="685800" indent="-228600" algn="l" defTabSz="914400" rtl="0" eaLnBrk="1" latinLnBrk="0" hangingPunct="1">
+              <a:lnSpc>
+                <a:spcPct val="90000"/>
+              </a:lnSpc>
+              <a:spcBef>
+                <a:spcPts val="500"/>
+              </a:spcBef>
+              <a:buFont typeface="Arial" panose="020B0604020202020204" pitchFamily="34" charset="0"/>
+              <a:buChar char="•"/>
+              <a:defRPr sz="2400" kern="1200">
+                <a:solidFill>
+                  <a:schemeClr val="tx1"/>
+                </a:solidFill>
+                <a:latin typeface="+mn-lt"/>
+                <a:ea typeface="+mn-ea"/>
+                <a:cs typeface="+mn-cs"/>
+              </a:defRPr>
+            </a:lvl2pPr>
+            <a:lvl3pPr marL="1143000" indent="-228600" algn="l" defTabSz="914400" rtl="0" eaLnBrk="1" latinLnBrk="0" hangingPunct="1">
+              <a:lnSpc>
+                <a:spcPct val="90000"/>
+              </a:lnSpc>
+              <a:spcBef>
+                <a:spcPts val="500"/>
+              </a:spcBef>
+              <a:buFont typeface="Arial" panose="020B0604020202020204" pitchFamily="34" charset="0"/>
+              <a:buChar char="•"/>
+              <a:defRPr sz="2000" kern="1200">
+                <a:solidFill>
+                  <a:schemeClr val="tx1"/>
+                </a:solidFill>
+                <a:latin typeface="+mn-lt"/>
+                <a:ea typeface="+mn-ea"/>
+                <a:cs typeface="+mn-cs"/>
+              </a:defRPr>
+            </a:lvl3pPr>
+            <a:lvl4pPr marL="1600200" indent="-228600" algn="l" defTabSz="914400" rtl="0" eaLnBrk="1" latinLnBrk="0" hangingPunct="1">
+              <a:lnSpc>
+                <a:spcPct val="90000"/>
+              </a:lnSpc>
+              <a:spcBef>
+                <a:spcPts val="500"/>
+              </a:spcBef>
+              <a:buFont typeface="Arial" panose="020B0604020202020204" pitchFamily="34" charset="0"/>
+              <a:buChar char="•"/>
+              <a:defRPr sz="1800" kern="1200">
+                <a:solidFill>
+                  <a:schemeClr val="tx1"/>
+                </a:solidFill>
+                <a:latin typeface="+mn-lt"/>
+                <a:ea typeface="+mn-ea"/>
+                <a:cs typeface="+mn-cs"/>
+              </a:defRPr>
+            </a:lvl4pPr>
+            <a:lvl5pPr marL="2057400" indent="-228600" algn="l" defTabSz="914400" rtl="0" eaLnBrk="1" latinLnBrk="0" hangingPunct="1">
+              <a:lnSpc>
+                <a:spcPct val="90000"/>
+              </a:lnSpc>
+              <a:spcBef>
+                <a:spcPts val="500"/>
+              </a:spcBef>
+              <a:buFont typeface="Arial" panose="020B0604020202020204" pitchFamily="34" charset="0"/>
+              <a:buChar char="•"/>
+              <a:defRPr sz="1800" kern="1200">
+                <a:solidFill>
+                  <a:schemeClr val="tx1"/>
+                </a:solidFill>
+                <a:latin typeface="+mn-lt"/>
+                <a:ea typeface="+mn-ea"/>
+                <a:cs typeface="+mn-cs"/>
+              </a:defRPr>
+            </a:lvl5pPr>
+            <a:lvl6pPr marL="2514600" indent="-228600" algn="l" defTabSz="914400" rtl="0" eaLnBrk="1" latinLnBrk="0" hangingPunct="1">
+              <a:lnSpc>
+                <a:spcPct val="90000"/>
+              </a:lnSpc>
+              <a:spcBef>
+                <a:spcPts val="500"/>
+              </a:spcBef>
+              <a:buFont typeface="Arial" panose="020B0604020202020204" pitchFamily="34" charset="0"/>
+              <a:buChar char="•"/>
+              <a:defRPr sz="1800" kern="1200">
+                <a:solidFill>
+                  <a:schemeClr val="tx1"/>
+                </a:solidFill>
+                <a:latin typeface="+mn-lt"/>
+                <a:ea typeface="+mn-ea"/>
+                <a:cs typeface="+mn-cs"/>
+              </a:defRPr>
+            </a:lvl6pPr>
+            <a:lvl7pPr marL="2971800" indent="-228600" algn="l" defTabSz="914400" rtl="0" eaLnBrk="1" latinLnBrk="0" hangingPunct="1">
+              <a:lnSpc>
+                <a:spcPct val="90000"/>
+              </a:lnSpc>
+              <a:spcBef>
+                <a:spcPts val="500"/>
+              </a:spcBef>
+              <a:buFont typeface="Arial" panose="020B0604020202020204" pitchFamily="34" charset="0"/>
+              <a:buChar char="•"/>
+              <a:defRPr sz="1800" kern="1200">
+                <a:solidFill>
+                  <a:schemeClr val="tx1"/>
+                </a:solidFill>
+                <a:latin typeface="+mn-lt"/>
+                <a:ea typeface="+mn-ea"/>
+                <a:cs typeface="+mn-cs"/>
+              </a:defRPr>
+            </a:lvl7pPr>
+            <a:lvl8pPr marL="3429000" indent="-228600" algn="l" defTabSz="914400" rtl="0" eaLnBrk="1" latinLnBrk="0" hangingPunct="1">
+              <a:lnSpc>
+                <a:spcPct val="90000"/>
+              </a:lnSpc>
+              <a:spcBef>
+                <a:spcPts val="500"/>
+              </a:spcBef>
+              <a:buFont typeface="Arial" panose="020B0604020202020204" pitchFamily="34" charset="0"/>
+              <a:buChar char="•"/>
+              <a:defRPr sz="1800" kern="1200">
+                <a:solidFill>
+                  <a:schemeClr val="tx1"/>
+                </a:solidFill>
+                <a:latin typeface="+mn-lt"/>
+                <a:ea typeface="+mn-ea"/>
+                <a:cs typeface="+mn-cs"/>
+              </a:defRPr>
+            </a:lvl8pPr>
+            <a:lvl9pPr marL="3886200" indent="-228600" algn="l" defTabSz="914400" rtl="0" eaLnBrk="1" latinLnBrk="0" hangingPunct="1">
+              <a:lnSpc>
+                <a:spcPct val="90000"/>
+              </a:lnSpc>
+              <a:spcBef>
+                <a:spcPts val="500"/>
+              </a:spcBef>
+              <a:buFont typeface="Arial" panose="020B0604020202020204" pitchFamily="34" charset="0"/>
+              <a:buChar char="•"/>
+              <a:defRPr sz="1800" kern="1200">
+                <a:solidFill>
+                  <a:schemeClr val="tx1"/>
+                </a:solidFill>
+                <a:latin typeface="+mn-lt"/>
+                <a:ea typeface="+mn-ea"/>
+                <a:cs typeface="+mn-cs"/>
+              </a:defRPr>
+            </a:lvl9pPr>
+          </a:lstStyle>
+          <a:p>
+            <a:pPr marL="0" indent="0">
+              <a:buFont typeface="Arial" panose="020B0604020202020204" pitchFamily="34" charset="0"/>
+              <a:buNone/>
+            </a:pPr>
+            <a:r>
+              <a:rPr lang="zh-CN" altLang="en-US" sz="4400" dirty="0">
+                <a:solidFill>
+                  <a:schemeClr val="bg2">
+                    <a:lumMod val="10000"/>
+                  </a:schemeClr>
+                </a:solidFill>
+                <a:latin typeface="方正清刻本悦宋简体" panose="02000000000000000000" pitchFamily="2" charset="-122"/>
+                <a:ea typeface="方正清刻本悦宋简体" panose="02000000000000000000" pitchFamily="2" charset="-122"/>
+              </a:rPr>
+              <a:t>右</a:t>
+            </a:r>
+            <a:r>
+              <a:rPr lang="zh-CN" altLang="en-US" sz="4400" dirty="0" smtClean="0">
+                <a:solidFill>
+                  <a:schemeClr val="bg2">
+                    <a:lumMod val="10000"/>
+                  </a:schemeClr>
+                </a:solidFill>
+                <a:latin typeface="方正清刻本悦宋简体" panose="02000000000000000000" pitchFamily="2" charset="-122"/>
+                <a:ea typeface="方正清刻本悦宋简体" panose="02000000000000000000" pitchFamily="2" charset="-122"/>
+              </a:rPr>
+              <a:t>   </a:t>
+            </a:r>
+            <a:r>
+              <a:rPr lang="zh-CN" altLang="en-US" sz="4400" dirty="0" smtClean="0">
+                <a:solidFill>
+                  <a:schemeClr val="bg2">
+                    <a:lumMod val="75000"/>
+                  </a:schemeClr>
+                </a:solidFill>
+                <a:latin typeface="方正清刻本悦宋简体" panose="02000000000000000000" pitchFamily="2" charset="-122"/>
+                <a:ea typeface="方正清刻本悦宋简体" panose="02000000000000000000" pitchFamily="2" charset="-122"/>
+              </a:rPr>
+              <a:t>手</a:t>
+            </a:r>
+            <a:endParaRPr lang="zh-CN" altLang="en-US" sz="4400" dirty="0">
+              <a:solidFill>
+                <a:schemeClr val="bg2">
+                  <a:lumMod val="75000"/>
+                </a:schemeClr>
+              </a:solidFill>
+              <a:latin typeface="方正清刻本悦宋简体" panose="02000000000000000000" pitchFamily="2" charset="-122"/>
+              <a:ea typeface="方正清刻本悦宋简体" panose="02000000000000000000" pitchFamily="2" charset="-122"/>
+            </a:endParaRPr>
+          </a:p>
+        </p:txBody>
+      </p:sp>
+    </p:spTree>
+    <p:extLst>
+      <p:ext uri="{BB962C8B-B14F-4D97-AF65-F5344CB8AC3E}">
+        <p14:creationId xmlns:p14="http://schemas.microsoft.com/office/powerpoint/2010/main" val="1039249884"/>
+      </p:ext>
+    </p:extLst>
+  </p:cSld>
+  <p:clrMapOvr>
+    <a:masterClrMapping/>
+  </p:clrMapOvr>
+  <mc:AlternateContent xmlns:mc="http://schemas.openxmlformats.org/markup-compatibility/2006" xmlns:p14="http://schemas.microsoft.com/office/powerpoint/2010/main">
+    <mc:Choice Requires="p14">
+      <p:transition spd="slow" p14:dur="1600">
+        <p14:conveyor dir="l"/>
+      </p:transition>
+    </mc:Choice>
+    <mc:Fallback xmlns="">
+      <p:transition spd="slow">
+        <p:fade/>
+      </p:transition>
+    </mc:Fallback>
+  </mc:AlternateContent>
   <p:timing>
     <p:tnLst>
       <p:par>
